--- a/Documentation/Presentation project.pptx
+++ b/Documentation/Presentation project.pptx
@@ -7,8 +7,16 @@
   <p:sldIdLst>
     <p:sldId id="256" r:id="rId2"/>
     <p:sldId id="257" r:id="rId3"/>
-    <p:sldId id="258" r:id="rId4"/>
-    <p:sldId id="259" r:id="rId5"/>
+    <p:sldId id="265" r:id="rId4"/>
+    <p:sldId id="266" r:id="rId5"/>
+    <p:sldId id="258" r:id="rId6"/>
+    <p:sldId id="267" r:id="rId7"/>
+    <p:sldId id="262" r:id="rId8"/>
+    <p:sldId id="259" r:id="rId9"/>
+    <p:sldId id="260" r:id="rId10"/>
+    <p:sldId id="261" r:id="rId11"/>
+    <p:sldId id="263" r:id="rId12"/>
+    <p:sldId id="264" r:id="rId13"/>
   </p:sldIdLst>
   <p:sldSz cx="9144000" cy="6858000" type="screen4x3"/>
   <p:notesSz cx="6858000" cy="9144000"/>
@@ -1108,6 +1116,13 @@
         </dgm:presLayoutVars>
       </dgm:prSet>
       <dgm:spPr/>
+      <dgm:t>
+        <a:bodyPr/>
+        <a:lstStyle/>
+        <a:p>
+          <a:endParaRPr lang="fr-FR"/>
+        </a:p>
+      </dgm:t>
     </dgm:pt>
     <dgm:pt modelId="{5C4154DA-1D34-4118-988D-B9D7969E36C9}" type="pres">
       <dgm:prSet presAssocID="{008E64EB-10AF-49F4-B376-56C7ED706781}" presName="hierRoot1" presStyleCnt="0">
@@ -1156,6 +1171,13 @@
     <dgm:pt modelId="{6F38334C-54D8-4683-9AB1-0AD1DF245F09}" type="pres">
       <dgm:prSet presAssocID="{008E64EB-10AF-49F4-B376-56C7ED706781}" presName="rootConnector1" presStyleLbl="node1" presStyleIdx="0" presStyleCnt="4"/>
       <dgm:spPr/>
+      <dgm:t>
+        <a:bodyPr/>
+        <a:lstStyle/>
+        <a:p>
+          <a:endParaRPr lang="fr-FR"/>
+        </a:p>
+      </dgm:t>
     </dgm:pt>
     <dgm:pt modelId="{C7851163-A21E-4F2A-9122-57DFCBEF5735}" type="pres">
       <dgm:prSet presAssocID="{008E64EB-10AF-49F4-B376-56C7ED706781}" presName="hierChild2" presStyleCnt="0"/>
@@ -1164,6 +1186,13 @@
     <dgm:pt modelId="{365F3C3E-F05B-4807-8604-0FBD64A1330B}" type="pres">
       <dgm:prSet presAssocID="{3AC25DDE-8377-4B28-9795-792323E63432}" presName="Name37" presStyleLbl="parChTrans1D2" presStyleIdx="0" presStyleCnt="4"/>
       <dgm:spPr/>
+      <dgm:t>
+        <a:bodyPr/>
+        <a:lstStyle/>
+        <a:p>
+          <a:endParaRPr lang="fr-FR"/>
+        </a:p>
+      </dgm:t>
     </dgm:pt>
     <dgm:pt modelId="{EF6316E1-7B66-4AC9-A206-C3C9E46664A5}" type="pres">
       <dgm:prSet presAssocID="{6CF0CC44-2D56-41D0-BEF5-3DE157A5A851}" presName="hierRoot2" presStyleCnt="0">
@@ -1212,6 +1241,13 @@
     <dgm:pt modelId="{F9A8C589-23B1-4679-B03B-70C503D6C1E5}" type="pres">
       <dgm:prSet presAssocID="{6CF0CC44-2D56-41D0-BEF5-3DE157A5A851}" presName="rootConnector" presStyleLbl="node2" presStyleIdx="0" presStyleCnt="0"/>
       <dgm:spPr/>
+      <dgm:t>
+        <a:bodyPr/>
+        <a:lstStyle/>
+        <a:p>
+          <a:endParaRPr lang="fr-FR"/>
+        </a:p>
+      </dgm:t>
     </dgm:pt>
     <dgm:pt modelId="{629B46D4-E42F-4D97-97F3-50DBC0E94D14}" type="pres">
       <dgm:prSet presAssocID="{6CF0CC44-2D56-41D0-BEF5-3DE157A5A851}" presName="hierChild4" presStyleCnt="0"/>
@@ -1224,6 +1260,13 @@
     <dgm:pt modelId="{19DC4D18-82B3-4F88-9128-F0912A158E34}" type="pres">
       <dgm:prSet presAssocID="{151E349B-AA80-489A-9752-3EB55B7289B0}" presName="Name37" presStyleLbl="parChTrans1D2" presStyleIdx="1" presStyleCnt="4"/>
       <dgm:spPr/>
+      <dgm:t>
+        <a:bodyPr/>
+        <a:lstStyle/>
+        <a:p>
+          <a:endParaRPr lang="fr-FR"/>
+        </a:p>
+      </dgm:t>
     </dgm:pt>
     <dgm:pt modelId="{5F88F4E3-3CF9-4D2C-A3FA-1CFBAF106DCF}" type="pres">
       <dgm:prSet presAssocID="{6CBD4762-C569-40B8-AD07-1AA8F5D45D1F}" presName="hierRoot2" presStyleCnt="0">
@@ -1272,6 +1315,13 @@
     <dgm:pt modelId="{7F8D2CD6-613F-45EF-9859-F0AD8CEC1DF7}" type="pres">
       <dgm:prSet presAssocID="{6CBD4762-C569-40B8-AD07-1AA8F5D45D1F}" presName="rootConnector" presStyleLbl="node2" presStyleIdx="0" presStyleCnt="0"/>
       <dgm:spPr/>
+      <dgm:t>
+        <a:bodyPr/>
+        <a:lstStyle/>
+        <a:p>
+          <a:endParaRPr lang="fr-FR"/>
+        </a:p>
+      </dgm:t>
     </dgm:pt>
     <dgm:pt modelId="{C3574076-90D0-4A31-A682-356F9227B47E}" type="pres">
       <dgm:prSet presAssocID="{6CBD4762-C569-40B8-AD07-1AA8F5D45D1F}" presName="hierChild4" presStyleCnt="0"/>
@@ -1284,6 +1334,13 @@
     <dgm:pt modelId="{BE428379-A4D4-47C0-9F5F-B24994784D11}" type="pres">
       <dgm:prSet presAssocID="{AA9E5710-825F-4C2C-9515-0B338F50E263}" presName="Name37" presStyleLbl="parChTrans1D2" presStyleIdx="2" presStyleCnt="4"/>
       <dgm:spPr/>
+      <dgm:t>
+        <a:bodyPr/>
+        <a:lstStyle/>
+        <a:p>
+          <a:endParaRPr lang="fr-FR"/>
+        </a:p>
+      </dgm:t>
     </dgm:pt>
     <dgm:pt modelId="{1D5D0A4E-B42F-4471-8F5B-1AC8293D921A}" type="pres">
       <dgm:prSet presAssocID="{156B68F6-BE71-4600-A9A0-7453E5114F8B}" presName="hierRoot2" presStyleCnt="0">
@@ -1332,6 +1389,13 @@
     <dgm:pt modelId="{0EBF1831-D4D0-4606-914B-7FEEC8AFA0B3}" type="pres">
       <dgm:prSet presAssocID="{156B68F6-BE71-4600-A9A0-7453E5114F8B}" presName="rootConnector" presStyleLbl="node2" presStyleIdx="0" presStyleCnt="0"/>
       <dgm:spPr/>
+      <dgm:t>
+        <a:bodyPr/>
+        <a:lstStyle/>
+        <a:p>
+          <a:endParaRPr lang="fr-FR"/>
+        </a:p>
+      </dgm:t>
     </dgm:pt>
     <dgm:pt modelId="{A4D64178-C48E-4BCD-B03B-2AB3BCB7CFBA}" type="pres">
       <dgm:prSet presAssocID="{156B68F6-BE71-4600-A9A0-7453E5114F8B}" presName="hierChild4" presStyleCnt="0"/>
@@ -1344,6 +1408,13 @@
     <dgm:pt modelId="{74DB6761-826F-47BE-9B83-556A10D15CB1}" type="pres">
       <dgm:prSet presAssocID="{CC01F6B4-C1D6-4AD5-929E-0F4E3420F694}" presName="Name37" presStyleLbl="parChTrans1D2" presStyleIdx="3" presStyleCnt="4"/>
       <dgm:spPr/>
+      <dgm:t>
+        <a:bodyPr/>
+        <a:lstStyle/>
+        <a:p>
+          <a:endParaRPr lang="fr-FR"/>
+        </a:p>
+      </dgm:t>
     </dgm:pt>
     <dgm:pt modelId="{44D76D23-DE74-4C9D-850B-284CF622084B}" type="pres">
       <dgm:prSet presAssocID="{FEF37E21-6135-4090-B6A5-90ECBCC1D9DA}" presName="hierRoot2" presStyleCnt="0">
@@ -1365,6 +1436,13 @@
         </dgm:presLayoutVars>
       </dgm:prSet>
       <dgm:spPr/>
+      <dgm:t>
+        <a:bodyPr/>
+        <a:lstStyle/>
+        <a:p>
+          <a:endParaRPr lang="fr-FR"/>
+        </a:p>
+      </dgm:t>
     </dgm:pt>
     <dgm:pt modelId="{8505FEEB-1A7A-446C-B7A8-0171C8115E31}" type="pres">
       <dgm:prSet presAssocID="{FEF37E21-6135-4090-B6A5-90ECBCC1D9DA}" presName="titleText2" presStyleLbl="fgAcc1" presStyleIdx="3" presStyleCnt="4">
@@ -1385,6 +1463,13 @@
     <dgm:pt modelId="{21D6CAFB-360D-414C-BDDE-9A46023F1311}" type="pres">
       <dgm:prSet presAssocID="{FEF37E21-6135-4090-B6A5-90ECBCC1D9DA}" presName="rootConnector" presStyleLbl="node2" presStyleIdx="0" presStyleCnt="0"/>
       <dgm:spPr/>
+      <dgm:t>
+        <a:bodyPr/>
+        <a:lstStyle/>
+        <a:p>
+          <a:endParaRPr lang="fr-FR"/>
+        </a:p>
+      </dgm:t>
     </dgm:pt>
     <dgm:pt modelId="{3F01ECDB-D8EC-42CE-9ADC-606CD0B8D340}" type="pres">
       <dgm:prSet presAssocID="{FEF37E21-6135-4090-B6A5-90ECBCC1D9DA}" presName="hierChild4" presStyleCnt="0"/>
@@ -1400,31 +1485,31 @@
     </dgm:pt>
   </dgm:ptLst>
   <dgm:cxnLst>
+    <dgm:cxn modelId="{DAC7768F-02F2-4CB8-A357-CF2B66761AA5}" srcId="{008E64EB-10AF-49F4-B376-56C7ED706781}" destId="{156B68F6-BE71-4600-A9A0-7453E5114F8B}" srcOrd="2" destOrd="0" parTransId="{AA9E5710-825F-4C2C-9515-0B338F50E263}" sibTransId="{BB73084C-E273-459B-A991-1184B7EC1E0B}"/>
+    <dgm:cxn modelId="{A77CB6B3-7950-481B-AB29-6C139DE08E74}" type="presOf" srcId="{6CF0CC44-2D56-41D0-BEF5-3DE157A5A851}" destId="{F9A8C589-23B1-4679-B03B-70C503D6C1E5}" srcOrd="1" destOrd="0" presId="urn:microsoft.com/office/officeart/2008/layout/NameandTitleOrganizationalChart"/>
+    <dgm:cxn modelId="{F69B061B-E03E-4933-9820-89EFDB849539}" srcId="{008E64EB-10AF-49F4-B376-56C7ED706781}" destId="{FEF37E21-6135-4090-B6A5-90ECBCC1D9DA}" srcOrd="3" destOrd="0" parTransId="{CC01F6B4-C1D6-4AD5-929E-0F4E3420F694}" sibTransId="{D00575F7-AE7B-4D5D-92E4-05A5B873566E}"/>
+    <dgm:cxn modelId="{D38E5212-2017-4897-A549-6C4201E2302D}" srcId="{008E64EB-10AF-49F4-B376-56C7ED706781}" destId="{6CF0CC44-2D56-41D0-BEF5-3DE157A5A851}" srcOrd="0" destOrd="0" parTransId="{3AC25DDE-8377-4B28-9795-792323E63432}" sibTransId="{0E15A9AA-250C-416D-824C-537C527ACDB9}"/>
+    <dgm:cxn modelId="{41186A7F-DE72-418A-89FA-19FD209288E8}" type="presOf" srcId="{BB73084C-E273-459B-A991-1184B7EC1E0B}" destId="{73F5112D-8786-4A90-A0EF-22B77B1817CB}" srcOrd="0" destOrd="0" presId="urn:microsoft.com/office/officeart/2008/layout/NameandTitleOrganizationalChart"/>
+    <dgm:cxn modelId="{F489962B-8D1B-43DF-AB04-89F53DA5E8E4}" type="presOf" srcId="{3AC25DDE-8377-4B28-9795-792323E63432}" destId="{365F3C3E-F05B-4807-8604-0FBD64A1330B}" srcOrd="0" destOrd="0" presId="urn:microsoft.com/office/officeart/2008/layout/NameandTitleOrganizationalChart"/>
+    <dgm:cxn modelId="{B976F04B-ACC7-45C4-B286-BCADD11967AE}" type="presOf" srcId="{AA9E5710-825F-4C2C-9515-0B338F50E263}" destId="{BE428379-A4D4-47C0-9F5F-B24994784D11}" srcOrd="0" destOrd="0" presId="urn:microsoft.com/office/officeart/2008/layout/NameandTitleOrganizationalChart"/>
+    <dgm:cxn modelId="{0EBF8615-F06D-45CE-8469-59F3AB0F7685}" type="presOf" srcId="{6CF0CC44-2D56-41D0-BEF5-3DE157A5A851}" destId="{1DF46BBF-1894-49EA-A95B-2B707C2A14D7}" srcOrd="0" destOrd="0" presId="urn:microsoft.com/office/officeart/2008/layout/NameandTitleOrganizationalChart"/>
+    <dgm:cxn modelId="{94F98089-5107-4C28-ACB6-9D9C32BB324A}" type="presOf" srcId="{6CBD4762-C569-40B8-AD07-1AA8F5D45D1F}" destId="{7F8D2CD6-613F-45EF-9859-F0AD8CEC1DF7}" srcOrd="1" destOrd="0" presId="urn:microsoft.com/office/officeart/2008/layout/NameandTitleOrganizationalChart"/>
     <dgm:cxn modelId="{1AE51DE8-CFE9-40CD-B6B1-68F26E57062D}" type="presOf" srcId="{FEF37E21-6135-4090-B6A5-90ECBCC1D9DA}" destId="{21D6CAFB-360D-414C-BDDE-9A46023F1311}" srcOrd="1" destOrd="0" presId="urn:microsoft.com/office/officeart/2008/layout/NameandTitleOrganizationalChart"/>
-    <dgm:cxn modelId="{DAC7768F-02F2-4CB8-A357-CF2B66761AA5}" srcId="{008E64EB-10AF-49F4-B376-56C7ED706781}" destId="{156B68F6-BE71-4600-A9A0-7453E5114F8B}" srcOrd="2" destOrd="0" parTransId="{AA9E5710-825F-4C2C-9515-0B338F50E263}" sibTransId="{BB73084C-E273-459B-A991-1184B7EC1E0B}"/>
+    <dgm:cxn modelId="{49FB1A24-0E5A-4E29-A9BD-87D25A801166}" type="presOf" srcId="{156B68F6-BE71-4600-A9A0-7453E5114F8B}" destId="{148F2419-1D36-4E1A-9660-6A76DAEE178A}" srcOrd="0" destOrd="0" presId="urn:microsoft.com/office/officeart/2008/layout/NameandTitleOrganizationalChart"/>
+    <dgm:cxn modelId="{661DD134-033F-4940-BA5B-E9130160DB3D}" type="presOf" srcId="{151E349B-AA80-489A-9752-3EB55B7289B0}" destId="{19DC4D18-82B3-4F88-9128-F0912A158E34}" srcOrd="0" destOrd="0" presId="urn:microsoft.com/office/officeart/2008/layout/NameandTitleOrganizationalChart"/>
+    <dgm:cxn modelId="{9B71FC01-95EA-417B-B6C5-44F638C19FC9}" srcId="{008E64EB-10AF-49F4-B376-56C7ED706781}" destId="{6CBD4762-C569-40B8-AD07-1AA8F5D45D1F}" srcOrd="1" destOrd="0" parTransId="{151E349B-AA80-489A-9752-3EB55B7289B0}" sibTransId="{A2A006F4-2A49-4C7A-9B47-09EB690A8991}"/>
+    <dgm:cxn modelId="{3513DFDA-76F8-43C6-8F37-7AEF3C5A48AD}" type="presOf" srcId="{FEF37E21-6135-4090-B6A5-90ECBCC1D9DA}" destId="{93154F82-5184-4620-AF61-AE345ADAACF5}" srcOrd="0" destOrd="0" presId="urn:microsoft.com/office/officeart/2008/layout/NameandTitleOrganizationalChart"/>
+    <dgm:cxn modelId="{2F029F66-7234-4DEF-AAF2-36BEBABCFCE4}" type="presOf" srcId="{8C86C083-F0CA-493A-BFAF-26C0D76B8154}" destId="{72BE5EFC-2302-40DF-B740-0FC661E42F87}" srcOrd="0" destOrd="0" presId="urn:microsoft.com/office/officeart/2008/layout/NameandTitleOrganizationalChart"/>
+    <dgm:cxn modelId="{85C6D726-D6F9-44E0-8F07-2980BC69700F}" type="presOf" srcId="{D00575F7-AE7B-4D5D-92E4-05A5B873566E}" destId="{8505FEEB-1A7A-446C-B7A8-0171C8115E31}" srcOrd="0" destOrd="0" presId="urn:microsoft.com/office/officeart/2008/layout/NameandTitleOrganizationalChart"/>
+    <dgm:cxn modelId="{D5FEAE25-5F29-4910-9690-37F1CBF2508F}" type="presOf" srcId="{0E15A9AA-250C-416D-824C-537C527ACDB9}" destId="{5224A56A-DA48-4271-A7C1-A39F382C01E5}" srcOrd="0" destOrd="0" presId="urn:microsoft.com/office/officeart/2008/layout/NameandTitleOrganizationalChart"/>
+    <dgm:cxn modelId="{5A8DD751-2906-4B35-90A3-152933CE9EBD}" type="presOf" srcId="{008E64EB-10AF-49F4-B376-56C7ED706781}" destId="{6F38334C-54D8-4683-9AB1-0AD1DF245F09}" srcOrd="1" destOrd="0" presId="urn:microsoft.com/office/officeart/2008/layout/NameandTitleOrganizationalChart"/>
     <dgm:cxn modelId="{2033363C-CE40-4E8E-8F07-B3209B6BB3BC}" type="presOf" srcId="{CC01F6B4-C1D6-4AD5-929E-0F4E3420F694}" destId="{74DB6761-826F-47BE-9B83-556A10D15CB1}" srcOrd="0" destOrd="0" presId="urn:microsoft.com/office/officeart/2008/layout/NameandTitleOrganizationalChart"/>
-    <dgm:cxn modelId="{F69B061B-E03E-4933-9820-89EFDB849539}" srcId="{008E64EB-10AF-49F4-B376-56C7ED706781}" destId="{FEF37E21-6135-4090-B6A5-90ECBCC1D9DA}" srcOrd="3" destOrd="0" parTransId="{CC01F6B4-C1D6-4AD5-929E-0F4E3420F694}" sibTransId="{D00575F7-AE7B-4D5D-92E4-05A5B873566E}"/>
-    <dgm:cxn modelId="{2F029F66-7234-4DEF-AAF2-36BEBABCFCE4}" type="presOf" srcId="{8C86C083-F0CA-493A-BFAF-26C0D76B8154}" destId="{72BE5EFC-2302-40DF-B740-0FC661E42F87}" srcOrd="0" destOrd="0" presId="urn:microsoft.com/office/officeart/2008/layout/NameandTitleOrganizationalChart"/>
-    <dgm:cxn modelId="{0EBF8615-F06D-45CE-8469-59F3AB0F7685}" type="presOf" srcId="{6CF0CC44-2D56-41D0-BEF5-3DE157A5A851}" destId="{1DF46BBF-1894-49EA-A95B-2B707C2A14D7}" srcOrd="0" destOrd="0" presId="urn:microsoft.com/office/officeart/2008/layout/NameandTitleOrganizationalChart"/>
-    <dgm:cxn modelId="{A77CB6B3-7950-481B-AB29-6C139DE08E74}" type="presOf" srcId="{6CF0CC44-2D56-41D0-BEF5-3DE157A5A851}" destId="{F9A8C589-23B1-4679-B03B-70C503D6C1E5}" srcOrd="1" destOrd="0" presId="urn:microsoft.com/office/officeart/2008/layout/NameandTitleOrganizationalChart"/>
-    <dgm:cxn modelId="{85C6D726-D6F9-44E0-8F07-2980BC69700F}" type="presOf" srcId="{D00575F7-AE7B-4D5D-92E4-05A5B873566E}" destId="{8505FEEB-1A7A-446C-B7A8-0171C8115E31}" srcOrd="0" destOrd="0" presId="urn:microsoft.com/office/officeart/2008/layout/NameandTitleOrganizationalChart"/>
-    <dgm:cxn modelId="{3513DFDA-76F8-43C6-8F37-7AEF3C5A48AD}" type="presOf" srcId="{FEF37E21-6135-4090-B6A5-90ECBCC1D9DA}" destId="{93154F82-5184-4620-AF61-AE345ADAACF5}" srcOrd="0" destOrd="0" presId="urn:microsoft.com/office/officeart/2008/layout/NameandTitleOrganizationalChart"/>
-    <dgm:cxn modelId="{94F98089-5107-4C28-ACB6-9D9C32BB324A}" type="presOf" srcId="{6CBD4762-C569-40B8-AD07-1AA8F5D45D1F}" destId="{7F8D2CD6-613F-45EF-9859-F0AD8CEC1DF7}" srcOrd="1" destOrd="0" presId="urn:microsoft.com/office/officeart/2008/layout/NameandTitleOrganizationalChart"/>
+    <dgm:cxn modelId="{8D9A799C-E0C0-4ABE-A091-52A52CB6A450}" srcId="{8C86C083-F0CA-493A-BFAF-26C0D76B8154}" destId="{008E64EB-10AF-49F4-B376-56C7ED706781}" srcOrd="0" destOrd="0" parTransId="{D3208548-19F1-4597-8607-0A2CD9D0D615}" sibTransId="{76885228-7BBC-492C-B7E6-EDECDAB07B59}"/>
+    <dgm:cxn modelId="{BB0CB215-6D67-4893-82D0-CBECA685A992}" type="presOf" srcId="{A2A006F4-2A49-4C7A-9B47-09EB690A8991}" destId="{71930E71-83E8-4E18-9E1C-4AC72A6F93E5}" srcOrd="0" destOrd="0" presId="urn:microsoft.com/office/officeart/2008/layout/NameandTitleOrganizationalChart"/>
+    <dgm:cxn modelId="{3231C794-F533-4CE1-BDCD-64846DA116CF}" type="presOf" srcId="{76885228-7BBC-492C-B7E6-EDECDAB07B59}" destId="{A99F2088-AFC8-439D-AD5F-925259941330}" srcOrd="0" destOrd="0" presId="urn:microsoft.com/office/officeart/2008/layout/NameandTitleOrganizationalChart"/>
     <dgm:cxn modelId="{D3A53D69-D02F-45D2-9CBD-E3BB481217D9}" type="presOf" srcId="{008E64EB-10AF-49F4-B376-56C7ED706781}" destId="{045D8A23-B0BB-4CB6-B374-13B64A906E29}" srcOrd="0" destOrd="0" presId="urn:microsoft.com/office/officeart/2008/layout/NameandTitleOrganizationalChart"/>
-    <dgm:cxn modelId="{5A8DD751-2906-4B35-90A3-152933CE9EBD}" type="presOf" srcId="{008E64EB-10AF-49F4-B376-56C7ED706781}" destId="{6F38334C-54D8-4683-9AB1-0AD1DF245F09}" srcOrd="1" destOrd="0" presId="urn:microsoft.com/office/officeart/2008/layout/NameandTitleOrganizationalChart"/>
-    <dgm:cxn modelId="{F489962B-8D1B-43DF-AB04-89F53DA5E8E4}" type="presOf" srcId="{3AC25DDE-8377-4B28-9795-792323E63432}" destId="{365F3C3E-F05B-4807-8604-0FBD64A1330B}" srcOrd="0" destOrd="0" presId="urn:microsoft.com/office/officeart/2008/layout/NameandTitleOrganizationalChart"/>
-    <dgm:cxn modelId="{9B71FC01-95EA-417B-B6C5-44F638C19FC9}" srcId="{008E64EB-10AF-49F4-B376-56C7ED706781}" destId="{6CBD4762-C569-40B8-AD07-1AA8F5D45D1F}" srcOrd="1" destOrd="0" parTransId="{151E349B-AA80-489A-9752-3EB55B7289B0}" sibTransId="{A2A006F4-2A49-4C7A-9B47-09EB690A8991}"/>
-    <dgm:cxn modelId="{3231C794-F533-4CE1-BDCD-64846DA116CF}" type="presOf" srcId="{76885228-7BBC-492C-B7E6-EDECDAB07B59}" destId="{A99F2088-AFC8-439D-AD5F-925259941330}" srcOrd="0" destOrd="0" presId="urn:microsoft.com/office/officeart/2008/layout/NameandTitleOrganizationalChart"/>
-    <dgm:cxn modelId="{8D9A799C-E0C0-4ABE-A091-52A52CB6A450}" srcId="{8C86C083-F0CA-493A-BFAF-26C0D76B8154}" destId="{008E64EB-10AF-49F4-B376-56C7ED706781}" srcOrd="0" destOrd="0" parTransId="{D3208548-19F1-4597-8607-0A2CD9D0D615}" sibTransId="{76885228-7BBC-492C-B7E6-EDECDAB07B59}"/>
-    <dgm:cxn modelId="{D5FEAE25-5F29-4910-9690-37F1CBF2508F}" type="presOf" srcId="{0E15A9AA-250C-416D-824C-537C527ACDB9}" destId="{5224A56A-DA48-4271-A7C1-A39F382C01E5}" srcOrd="0" destOrd="0" presId="urn:microsoft.com/office/officeart/2008/layout/NameandTitleOrganizationalChart"/>
-    <dgm:cxn modelId="{41186A7F-DE72-418A-89FA-19FD209288E8}" type="presOf" srcId="{BB73084C-E273-459B-A991-1184B7EC1E0B}" destId="{73F5112D-8786-4A90-A0EF-22B77B1817CB}" srcOrd="0" destOrd="0" presId="urn:microsoft.com/office/officeart/2008/layout/NameandTitleOrganizationalChart"/>
-    <dgm:cxn modelId="{BB0CB215-6D67-4893-82D0-CBECA685A992}" type="presOf" srcId="{A2A006F4-2A49-4C7A-9B47-09EB690A8991}" destId="{71930E71-83E8-4E18-9E1C-4AC72A6F93E5}" srcOrd="0" destOrd="0" presId="urn:microsoft.com/office/officeart/2008/layout/NameandTitleOrganizationalChart"/>
+    <dgm:cxn modelId="{4CFDA137-210D-49BA-AA32-EDF2ECAE54FD}" type="presOf" srcId="{6CBD4762-C569-40B8-AD07-1AA8F5D45D1F}" destId="{62804823-2168-43F9-842B-04CF6EB896F4}" srcOrd="0" destOrd="0" presId="urn:microsoft.com/office/officeart/2008/layout/NameandTitleOrganizationalChart"/>
     <dgm:cxn modelId="{4D76A0E5-FEAB-460A-B1B2-379BC6B1A81C}" type="presOf" srcId="{156B68F6-BE71-4600-A9A0-7453E5114F8B}" destId="{0EBF1831-D4D0-4606-914B-7FEEC8AFA0B3}" srcOrd="1" destOrd="0" presId="urn:microsoft.com/office/officeart/2008/layout/NameandTitleOrganizationalChart"/>
-    <dgm:cxn modelId="{4CFDA137-210D-49BA-AA32-EDF2ECAE54FD}" type="presOf" srcId="{6CBD4762-C569-40B8-AD07-1AA8F5D45D1F}" destId="{62804823-2168-43F9-842B-04CF6EB896F4}" srcOrd="0" destOrd="0" presId="urn:microsoft.com/office/officeart/2008/layout/NameandTitleOrganizationalChart"/>
-    <dgm:cxn modelId="{661DD134-033F-4940-BA5B-E9130160DB3D}" type="presOf" srcId="{151E349B-AA80-489A-9752-3EB55B7289B0}" destId="{19DC4D18-82B3-4F88-9128-F0912A158E34}" srcOrd="0" destOrd="0" presId="urn:microsoft.com/office/officeart/2008/layout/NameandTitleOrganizationalChart"/>
-    <dgm:cxn modelId="{B976F04B-ACC7-45C4-B286-BCADD11967AE}" type="presOf" srcId="{AA9E5710-825F-4C2C-9515-0B338F50E263}" destId="{BE428379-A4D4-47C0-9F5F-B24994784D11}" srcOrd="0" destOrd="0" presId="urn:microsoft.com/office/officeart/2008/layout/NameandTitleOrganizationalChart"/>
-    <dgm:cxn modelId="{49FB1A24-0E5A-4E29-A9BD-87D25A801166}" type="presOf" srcId="{156B68F6-BE71-4600-A9A0-7453E5114F8B}" destId="{148F2419-1D36-4E1A-9660-6A76DAEE178A}" srcOrd="0" destOrd="0" presId="urn:microsoft.com/office/officeart/2008/layout/NameandTitleOrganizationalChart"/>
-    <dgm:cxn modelId="{D38E5212-2017-4897-A549-6C4201E2302D}" srcId="{008E64EB-10AF-49F4-B376-56C7ED706781}" destId="{6CF0CC44-2D56-41D0-BEF5-3DE157A5A851}" srcOrd="0" destOrd="0" parTransId="{3AC25DDE-8377-4B28-9795-792323E63432}" sibTransId="{0E15A9AA-250C-416D-824C-537C527ACDB9}"/>
     <dgm:cxn modelId="{8E7AD63C-0C00-490B-A60A-993EC6E9F922}" type="presParOf" srcId="{72BE5EFC-2302-40DF-B740-0FC661E42F87}" destId="{5C4154DA-1D34-4118-988D-B9D7969E36C9}" srcOrd="0" destOrd="0" presId="urn:microsoft.com/office/officeart/2008/layout/NameandTitleOrganizationalChart"/>
     <dgm:cxn modelId="{96A9B982-BB21-49E0-8A22-AF6F59D02E6D}" type="presParOf" srcId="{5C4154DA-1D34-4118-988D-B9D7969E36C9}" destId="{6A8EE911-EB6E-47DF-8D51-E2D4746E8B32}" srcOrd="0" destOrd="0" presId="urn:microsoft.com/office/officeart/2008/layout/NameandTitleOrganizationalChart"/>
     <dgm:cxn modelId="{D42F0B53-D29A-4279-B2BB-F2D7EF908844}" type="presParOf" srcId="{6A8EE911-EB6E-47DF-8D51-E2D4746E8B32}" destId="{045D8A23-B0BB-4CB6-B374-13B64A906E29}" srcOrd="0" destOrd="0" presId="urn:microsoft.com/office/officeart/2008/layout/NameandTitleOrganizationalChart"/>
@@ -5296,7 +5381,7 @@
           <a:p>
             <a:fld id="{AA309A6D-C09C-4548-B29A-6CF363A7E532}" type="datetimeFigureOut">
               <a:rPr lang="fr-FR" smtClean="0"/>
-              <a:t>25/06/2014</a:t>
+              <a:t>26/06/2014</a:t>
             </a:fld>
             <a:endParaRPr lang="fr-BE"/>
           </a:p>
@@ -5397,7 +5482,7 @@
           </a:ln>
           <a:extLst>
             <a:ext uri="{91240B29-F687-4f45-9708-019B960494DF}">
-              <a14:hiddenLine xmlns:a14="http://schemas.microsoft.com/office/drawing/2010/main" xmlns="" w="9525">
+              <a14:hiddenLine xmlns="" xmlns:a14="http://schemas.microsoft.com/office/drawing/2010/main" w="9525">
                 <a:solidFill>
                   <a:srgbClr val="000000"/>
                 </a:solidFill>
@@ -5452,7 +5537,7 @@
           </a:ln>
           <a:extLst>
             <a:ext uri="{91240B29-F687-4f45-9708-019B960494DF}">
-              <a14:hiddenLine xmlns:a14="http://schemas.microsoft.com/office/drawing/2010/main" xmlns="" w="9525">
+              <a14:hiddenLine xmlns="" xmlns:a14="http://schemas.microsoft.com/office/drawing/2010/main" w="9525">
                 <a:solidFill>
                   <a:srgbClr val="000000"/>
                 </a:solidFill>
@@ -5707,7 +5792,7 @@
           <a:p>
             <a:fld id="{AA309A6D-C09C-4548-B29A-6CF363A7E532}" type="datetimeFigureOut">
               <a:rPr lang="fr-FR" smtClean="0"/>
-              <a:t>25/06/2014</a:t>
+              <a:t>26/06/2014</a:t>
             </a:fld>
             <a:endParaRPr lang="fr-BE"/>
           </a:p>
@@ -5955,7 +6040,7 @@
           <a:p>
             <a:fld id="{AA309A6D-C09C-4548-B29A-6CF363A7E532}" type="datetimeFigureOut">
               <a:rPr lang="fr-FR" smtClean="0"/>
-              <a:t>25/06/2014</a:t>
+              <a:t>26/06/2014</a:t>
             </a:fld>
             <a:endParaRPr lang="fr-BE"/>
           </a:p>
@@ -6495,7 +6580,7 @@
           <a:p>
             <a:fld id="{AA309A6D-C09C-4548-B29A-6CF363A7E532}" type="datetimeFigureOut">
               <a:rPr lang="fr-FR" smtClean="0"/>
-              <a:t>25/06/2014</a:t>
+              <a:t>26/06/2014</a:t>
             </a:fld>
             <a:endParaRPr lang="fr-BE"/>
           </a:p>
@@ -6743,7 +6828,7 @@
           <a:p>
             <a:fld id="{AA309A6D-C09C-4548-B29A-6CF363A7E532}" type="datetimeFigureOut">
               <a:rPr lang="fr-FR" smtClean="0"/>
-              <a:t>25/06/2014</a:t>
+              <a:t>26/06/2014</a:t>
             </a:fld>
             <a:endParaRPr lang="fr-BE"/>
           </a:p>
@@ -7275,7 +7360,7 @@
           <a:p>
             <a:fld id="{AA309A6D-C09C-4548-B29A-6CF363A7E532}" type="datetimeFigureOut">
               <a:rPr lang="fr-FR" smtClean="0"/>
-              <a:t>25/06/2014</a:t>
+              <a:t>26/06/2014</a:t>
             </a:fld>
             <a:endParaRPr lang="fr-BE"/>
           </a:p>
@@ -7572,7 +7657,7 @@
           <a:p>
             <a:fld id="{AA309A6D-C09C-4548-B29A-6CF363A7E532}" type="datetimeFigureOut">
               <a:rPr lang="fr-FR" smtClean="0"/>
-              <a:t>25/06/2014</a:t>
+              <a:t>26/06/2014</a:t>
             </a:fld>
             <a:endParaRPr lang="fr-BE"/>
           </a:p>
@@ -7746,7 +7831,7 @@
           <a:p>
             <a:fld id="{AA309A6D-C09C-4548-B29A-6CF363A7E532}" type="datetimeFigureOut">
               <a:rPr lang="fr-FR" smtClean="0"/>
-              <a:t>25/06/2014</a:t>
+              <a:t>26/06/2014</a:t>
             </a:fld>
             <a:endParaRPr lang="fr-BE"/>
           </a:p>
@@ -7926,7 +8011,7 @@
           <a:p>
             <a:fld id="{AA309A6D-C09C-4548-B29A-6CF363A7E532}" type="datetimeFigureOut">
               <a:rPr lang="fr-FR" smtClean="0"/>
-              <a:t>25/06/2014</a:t>
+              <a:t>26/06/2014</a:t>
             </a:fld>
             <a:endParaRPr lang="fr-BE"/>
           </a:p>
@@ -8111,7 +8196,7 @@
           <a:p>
             <a:fld id="{AA309A6D-C09C-4548-B29A-6CF363A7E532}" type="datetimeFigureOut">
               <a:rPr lang="fr-FR" smtClean="0"/>
-              <a:t>25/06/2014</a:t>
+              <a:t>26/06/2014</a:t>
             </a:fld>
             <a:endParaRPr lang="fr-BE"/>
           </a:p>
@@ -8367,7 +8452,7 @@
           <a:p>
             <a:fld id="{AA309A6D-C09C-4548-B29A-6CF363A7E532}" type="datetimeFigureOut">
               <a:rPr lang="fr-FR" smtClean="0"/>
-              <a:t>25/06/2014</a:t>
+              <a:t>26/06/2014</a:t>
             </a:fld>
             <a:endParaRPr lang="fr-BE"/>
           </a:p>
@@ -8669,7 +8754,7 @@
           <a:p>
             <a:fld id="{AA309A6D-C09C-4548-B29A-6CF363A7E532}" type="datetimeFigureOut">
               <a:rPr lang="fr-FR" smtClean="0"/>
-              <a:t>25/06/2014</a:t>
+              <a:t>26/06/2014</a:t>
             </a:fld>
             <a:endParaRPr lang="fr-BE"/>
           </a:p>
@@ -9111,7 +9196,7 @@
           <a:p>
             <a:fld id="{AA309A6D-C09C-4548-B29A-6CF363A7E532}" type="datetimeFigureOut">
               <a:rPr lang="fr-FR" smtClean="0"/>
-              <a:t>25/06/2014</a:t>
+              <a:t>26/06/2014</a:t>
             </a:fld>
             <a:endParaRPr lang="fr-BE"/>
           </a:p>
@@ -9229,7 +9314,7 @@
           <a:p>
             <a:fld id="{AA309A6D-C09C-4548-B29A-6CF363A7E532}" type="datetimeFigureOut">
               <a:rPr lang="fr-FR" smtClean="0"/>
-              <a:t>25/06/2014</a:t>
+              <a:t>26/06/2014</a:t>
             </a:fld>
             <a:endParaRPr lang="fr-BE"/>
           </a:p>
@@ -9324,7 +9409,7 @@
           <a:p>
             <a:fld id="{AA309A6D-C09C-4548-B29A-6CF363A7E532}" type="datetimeFigureOut">
               <a:rPr lang="fr-FR" smtClean="0"/>
-              <a:t>25/06/2014</a:t>
+              <a:t>26/06/2014</a:t>
             </a:fld>
             <a:endParaRPr lang="fr-BE"/>
           </a:p>
@@ -9607,7 +9692,7 @@
           <a:p>
             <a:fld id="{AA309A6D-C09C-4548-B29A-6CF363A7E532}" type="datetimeFigureOut">
               <a:rPr lang="fr-FR" smtClean="0"/>
-              <a:t>25/06/2014</a:t>
+              <a:t>26/06/2014</a:t>
             </a:fld>
             <a:endParaRPr lang="fr-BE"/>
           </a:p>
@@ -9898,7 +9983,7 @@
           <a:p>
             <a:fld id="{AA309A6D-C09C-4548-B29A-6CF363A7E532}" type="datetimeFigureOut">
               <a:rPr lang="fr-FR" smtClean="0"/>
-              <a:t>25/06/2014</a:t>
+              <a:t>26/06/2014</a:t>
             </a:fld>
             <a:endParaRPr lang="fr-BE"/>
           </a:p>
@@ -10422,7 +10507,7 @@
           <a:p>
             <a:fld id="{AA309A6D-C09C-4548-B29A-6CF363A7E532}" type="datetimeFigureOut">
               <a:rPr lang="fr-FR" smtClean="0"/>
-              <a:t>25/06/2014</a:t>
+              <a:t>26/06/2014</a:t>
             </a:fld>
             <a:endParaRPr lang="fr-BE"/>
           </a:p>
@@ -10978,9 +11063,43 @@
             </a:r>
             <a:r>
               <a:rPr lang="fr-FR" u="sng" dirty="0" smtClean="0"/>
-              <a:t> project</a:t>
+              <a:t> </a:t>
             </a:r>
-            <a:endParaRPr lang="fr-FR" u="sng" dirty="0"/>
+            <a:r>
+              <a:rPr lang="fr-FR" u="sng" dirty="0" smtClean="0"/>
+              <a:t>project</a:t>
+            </a:r>
+            <a:br>
+              <a:rPr lang="fr-FR" u="sng" dirty="0" smtClean="0"/>
+            </a:br>
+            <a:r>
+              <a:rPr lang="fr-FR" i="1" dirty="0" err="1" smtClean="0"/>
+              <a:t>eX</a:t>
+            </a:r>
+            <a:r>
+              <a:rPr lang="fr-FR" i="1" dirty="0" err="1" smtClean="0"/>
+              <a:t>i</a:t>
+            </a:r>
+            <a:r>
+              <a:rPr lang="fr-FR" i="1" dirty="0" err="1" smtClean="0">
+                <a:solidFill>
+                  <a:srgbClr val="FF0000"/>
+                </a:solidFill>
+              </a:rPr>
+              <a:t>@</a:t>
+            </a:r>
+            <a:r>
+              <a:rPr lang="fr-FR" i="1" dirty="0" err="1" smtClean="0"/>
+              <a:t>Store</a:t>
+            </a:r>
+            <a:r>
+              <a:rPr lang="fr-FR" i="1" dirty="0" smtClean="0"/>
+              <a:t/>
+            </a:r>
+            <a:br>
+              <a:rPr lang="fr-FR" i="1" dirty="0" smtClean="0"/>
+            </a:br>
+            <a:endParaRPr lang="fr-FR" i="1" dirty="0"/>
           </a:p>
         </p:txBody>
       </p:sp>
@@ -11055,6 +11174,200 @@
       </p:par>
     </p:tnLst>
   </p:timing>
+</p:sld>
+</file>
+
+<file path=ppt/slides/slide10.xml><?xml version="1.0" encoding="utf-8"?>
+<p:sld xmlns:a="http://schemas.openxmlformats.org/drawingml/2006/main" xmlns:r="http://schemas.openxmlformats.org/officeDocument/2006/relationships" xmlns:p="http://schemas.openxmlformats.org/presentationml/2006/main">
+  <p:cSld>
+    <p:spTree>
+      <p:nvGrpSpPr>
+        <p:cNvPr id="1" name=""/>
+        <p:cNvGrpSpPr/>
+        <p:nvPr/>
+      </p:nvGrpSpPr>
+      <p:grpSpPr>
+        <a:xfrm>
+          <a:off x="0" y="0"/>
+          <a:ext cx="0" cy="0"/>
+          <a:chOff x="0" y="0"/>
+          <a:chExt cx="0" cy="0"/>
+        </a:xfrm>
+      </p:grpSpPr>
+      <p:sp>
+        <p:nvSpPr>
+          <p:cNvPr id="4" name="Titre 3"/>
+          <p:cNvSpPr>
+            <a:spLocks noGrp="1"/>
+          </p:cNvSpPr>
+          <p:nvPr>
+            <p:ph type="title"/>
+          </p:nvPr>
+        </p:nvSpPr>
+        <p:spPr/>
+        <p:txBody>
+          <a:bodyPr/>
+          <a:lstStyle/>
+          <a:p>
+            <a:endParaRPr lang="fr-FR" dirty="0"/>
+          </a:p>
+        </p:txBody>
+      </p:sp>
+      <p:sp>
+        <p:nvSpPr>
+          <p:cNvPr id="5" name="Espace réservé du contenu 4"/>
+          <p:cNvSpPr>
+            <a:spLocks noGrp="1"/>
+          </p:cNvSpPr>
+          <p:nvPr>
+            <p:ph idx="1"/>
+          </p:nvPr>
+        </p:nvSpPr>
+        <p:spPr/>
+        <p:txBody>
+          <a:bodyPr/>
+          <a:lstStyle/>
+          <a:p>
+            <a:endParaRPr lang="fr-FR"/>
+          </a:p>
+        </p:txBody>
+      </p:sp>
+    </p:spTree>
+    <p:extLst>
+      <p:ext uri="{BB962C8B-B14F-4D97-AF65-F5344CB8AC3E}">
+        <p14:creationId xmlns:p14="http://schemas.microsoft.com/office/powerpoint/2010/main" val="3112329512"/>
+      </p:ext>
+    </p:extLst>
+  </p:cSld>
+  <p:clrMapOvr>
+    <a:masterClrMapping/>
+  </p:clrMapOvr>
+</p:sld>
+</file>
+
+<file path=ppt/slides/slide11.xml><?xml version="1.0" encoding="utf-8"?>
+<p:sld xmlns:a="http://schemas.openxmlformats.org/drawingml/2006/main" xmlns:r="http://schemas.openxmlformats.org/officeDocument/2006/relationships" xmlns:p="http://schemas.openxmlformats.org/presentationml/2006/main">
+  <p:cSld>
+    <p:spTree>
+      <p:nvGrpSpPr>
+        <p:cNvPr id="1" name=""/>
+        <p:cNvGrpSpPr/>
+        <p:nvPr/>
+      </p:nvGrpSpPr>
+      <p:grpSpPr>
+        <a:xfrm>
+          <a:off x="0" y="0"/>
+          <a:ext cx="0" cy="0"/>
+          <a:chOff x="0" y="0"/>
+          <a:chExt cx="0" cy="0"/>
+        </a:xfrm>
+      </p:grpSpPr>
+      <p:sp>
+        <p:nvSpPr>
+          <p:cNvPr id="2" name="Titre 1"/>
+          <p:cNvSpPr>
+            <a:spLocks noGrp="1"/>
+          </p:cNvSpPr>
+          <p:nvPr>
+            <p:ph type="title"/>
+          </p:nvPr>
+        </p:nvSpPr>
+        <p:spPr/>
+        <p:txBody>
+          <a:bodyPr/>
+          <a:lstStyle/>
+          <a:p>
+            <a:r>
+              <a:rPr lang="fr-FR" dirty="0" smtClean="0"/>
+              <a:t>Conclusion :</a:t>
+            </a:r>
+            <a:endParaRPr lang="fr-FR" dirty="0"/>
+          </a:p>
+        </p:txBody>
+      </p:sp>
+      <p:sp>
+        <p:nvSpPr>
+          <p:cNvPr id="3" name="Espace réservé du contenu 2"/>
+          <p:cNvSpPr>
+            <a:spLocks noGrp="1"/>
+          </p:cNvSpPr>
+          <p:nvPr>
+            <p:ph idx="1"/>
+          </p:nvPr>
+        </p:nvSpPr>
+        <p:spPr/>
+        <p:txBody>
+          <a:bodyPr/>
+          <a:lstStyle/>
+          <a:p>
+            <a:endParaRPr lang="fr-FR"/>
+          </a:p>
+        </p:txBody>
+      </p:sp>
+    </p:spTree>
+    <p:extLst>
+      <p:ext uri="{BB962C8B-B14F-4D97-AF65-F5344CB8AC3E}">
+        <p14:creationId xmlns:p14="http://schemas.microsoft.com/office/powerpoint/2010/main" val="3859523357"/>
+      </p:ext>
+    </p:extLst>
+  </p:cSld>
+  <p:clrMapOvr>
+    <a:masterClrMapping/>
+  </p:clrMapOvr>
+</p:sld>
+</file>
+
+<file path=ppt/slides/slide12.xml><?xml version="1.0" encoding="utf-8"?>
+<p:sld xmlns:a="http://schemas.openxmlformats.org/drawingml/2006/main" xmlns:r="http://schemas.openxmlformats.org/officeDocument/2006/relationships" xmlns:p="http://schemas.openxmlformats.org/presentationml/2006/main">
+  <p:cSld>
+    <p:spTree>
+      <p:nvGrpSpPr>
+        <p:cNvPr id="1" name=""/>
+        <p:cNvGrpSpPr/>
+        <p:nvPr/>
+      </p:nvGrpSpPr>
+      <p:grpSpPr>
+        <a:xfrm>
+          <a:off x="0" y="0"/>
+          <a:ext cx="0" cy="0"/>
+          <a:chOff x="0" y="0"/>
+          <a:chExt cx="0" cy="0"/>
+        </a:xfrm>
+      </p:grpSpPr>
+      <p:sp>
+        <p:nvSpPr>
+          <p:cNvPr id="4" name="Titre 3"/>
+          <p:cNvSpPr>
+            <a:spLocks noGrp="1"/>
+          </p:cNvSpPr>
+          <p:nvPr>
+            <p:ph type="ctrTitle"/>
+          </p:nvPr>
+        </p:nvSpPr>
+        <p:spPr/>
+        <p:txBody>
+          <a:bodyPr anchor="ctr"/>
+          <a:lstStyle/>
+          <a:p>
+            <a:pPr algn="ctr"/>
+            <a:r>
+              <a:rPr lang="fr-FR" dirty="0" smtClean="0"/>
+              <a:t>Questions?</a:t>
+            </a:r>
+            <a:endParaRPr lang="fr-FR" dirty="0"/>
+          </a:p>
+        </p:txBody>
+      </p:sp>
+    </p:spTree>
+    <p:extLst>
+      <p:ext uri="{BB962C8B-B14F-4D97-AF65-F5344CB8AC3E}">
+        <p14:creationId xmlns:p14="http://schemas.microsoft.com/office/powerpoint/2010/main" val="2637253636"/>
+      </p:ext>
+    </p:extLst>
+  </p:cSld>
+  <p:clrMapOvr>
+    <a:masterClrMapping/>
+  </p:clrMapOvr>
 </p:sld>
 </file>
 
@@ -11189,6 +11502,177 @@
 </file>
 
 <file path=ppt/slides/slide3.xml><?xml version="1.0" encoding="utf-8"?>
+<p:sld xmlns:a="http://schemas.openxmlformats.org/drawingml/2006/main" xmlns:r="http://schemas.openxmlformats.org/officeDocument/2006/relationships" xmlns:p="http://schemas.openxmlformats.org/presentationml/2006/main">
+  <p:cSld>
+    <p:spTree>
+      <p:nvGrpSpPr>
+        <p:cNvPr id="1" name=""/>
+        <p:cNvGrpSpPr/>
+        <p:nvPr/>
+      </p:nvGrpSpPr>
+      <p:grpSpPr>
+        <a:xfrm>
+          <a:off x="0" y="0"/>
+          <a:ext cx="0" cy="0"/>
+          <a:chOff x="0" y="0"/>
+          <a:chExt cx="0" cy="0"/>
+        </a:xfrm>
+      </p:grpSpPr>
+      <p:sp>
+        <p:nvSpPr>
+          <p:cNvPr id="2" name="Titre 1"/>
+          <p:cNvSpPr>
+            <a:spLocks noGrp="1"/>
+          </p:cNvSpPr>
+          <p:nvPr>
+            <p:ph type="title"/>
+          </p:nvPr>
+        </p:nvSpPr>
+        <p:spPr/>
+        <p:txBody>
+          <a:bodyPr/>
+          <a:lstStyle/>
+          <a:p>
+            <a:r>
+              <a:rPr lang="fr-FR" dirty="0" smtClean="0"/>
+              <a:t>Introduction :</a:t>
+            </a:r>
+            <a:endParaRPr lang="fr-FR" dirty="0"/>
+          </a:p>
+        </p:txBody>
+      </p:sp>
+      <p:sp>
+        <p:nvSpPr>
+          <p:cNvPr id="3" name="Espace réservé du contenu 2"/>
+          <p:cNvSpPr>
+            <a:spLocks noGrp="1"/>
+          </p:cNvSpPr>
+          <p:nvPr>
+            <p:ph idx="1"/>
+          </p:nvPr>
+        </p:nvSpPr>
+        <p:spPr/>
+        <p:txBody>
+          <a:bodyPr anchor="ctr"/>
+          <a:lstStyle/>
+          <a:p>
+            <a:pPr marL="0" indent="0" algn="ctr">
+              <a:buNone/>
+            </a:pPr>
+            <a:r>
+              <a:rPr lang="en-US" dirty="0" smtClean="0"/>
+              <a:t>We have been asked to develop an e-shopping website for </a:t>
+            </a:r>
+            <a:r>
+              <a:rPr lang="en-US" dirty="0" err="1" smtClean="0"/>
+              <a:t>eXi@Store</a:t>
+            </a:r>
+            <a:r>
+              <a:rPr lang="en-US" dirty="0" smtClean="0"/>
+              <a:t>, which they are selling music, movies, videos games and books.</a:t>
+            </a:r>
+            <a:endParaRPr lang="en-US" dirty="0"/>
+          </a:p>
+        </p:txBody>
+      </p:sp>
+    </p:spTree>
+    <p:extLst>
+      <p:ext uri="{BB962C8B-B14F-4D97-AF65-F5344CB8AC3E}">
+        <p14:creationId xmlns:p14="http://schemas.microsoft.com/office/powerpoint/2010/main" val="2958621103"/>
+      </p:ext>
+    </p:extLst>
+  </p:cSld>
+  <p:clrMapOvr>
+    <a:masterClrMapping/>
+  </p:clrMapOvr>
+</p:sld>
+</file>
+
+<file path=ppt/slides/slide4.xml><?xml version="1.0" encoding="utf-8"?>
+<p:sld xmlns:a="http://schemas.openxmlformats.org/drawingml/2006/main" xmlns:r="http://schemas.openxmlformats.org/officeDocument/2006/relationships" xmlns:p="http://schemas.openxmlformats.org/presentationml/2006/main">
+  <p:cSld>
+    <p:spTree>
+      <p:nvGrpSpPr>
+        <p:cNvPr id="1" name=""/>
+        <p:cNvGrpSpPr/>
+        <p:nvPr/>
+      </p:nvGrpSpPr>
+      <p:grpSpPr>
+        <a:xfrm>
+          <a:off x="0" y="0"/>
+          <a:ext cx="0" cy="0"/>
+          <a:chOff x="0" y="0"/>
+          <a:chExt cx="0" cy="0"/>
+        </a:xfrm>
+      </p:grpSpPr>
+      <p:sp>
+        <p:nvSpPr>
+          <p:cNvPr id="2" name="Titre 1"/>
+          <p:cNvSpPr>
+            <a:spLocks noGrp="1"/>
+          </p:cNvSpPr>
+          <p:nvPr>
+            <p:ph type="title"/>
+          </p:nvPr>
+        </p:nvSpPr>
+        <p:spPr/>
+        <p:txBody>
+          <a:bodyPr/>
+          <a:lstStyle/>
+          <a:p>
+            <a:r>
+              <a:rPr lang="en-US" dirty="0" smtClean="0"/>
+              <a:t>Specs :</a:t>
+            </a:r>
+            <a:endParaRPr lang="en-US" dirty="0"/>
+          </a:p>
+        </p:txBody>
+      </p:sp>
+      <p:sp>
+        <p:nvSpPr>
+          <p:cNvPr id="3" name="Espace réservé du contenu 2"/>
+          <p:cNvSpPr>
+            <a:spLocks noGrp="1"/>
+          </p:cNvSpPr>
+          <p:nvPr>
+            <p:ph idx="1"/>
+          </p:nvPr>
+        </p:nvSpPr>
+        <p:spPr/>
+        <p:txBody>
+          <a:bodyPr/>
+          <a:lstStyle/>
+          <a:p>
+            <a:r>
+              <a:rPr lang="en-US" dirty="0" smtClean="0"/>
+              <a:t>The customer would be able to have an account on the website by registration, further can be logged-in</a:t>
+            </a:r>
+          </a:p>
+          <a:p>
+            <a:r>
+              <a:rPr lang="en-US" dirty="0" smtClean="0"/>
+              <a:t>A basket where the customer is able to storage the products he chose</a:t>
+            </a:r>
+          </a:p>
+          <a:p>
+            <a:endParaRPr lang="en-US" dirty="0"/>
+          </a:p>
+        </p:txBody>
+      </p:sp>
+    </p:spTree>
+    <p:extLst>
+      <p:ext uri="{BB962C8B-B14F-4D97-AF65-F5344CB8AC3E}">
+        <p14:creationId xmlns:p14="http://schemas.microsoft.com/office/powerpoint/2010/main" val="716480011"/>
+      </p:ext>
+    </p:extLst>
+  </p:cSld>
+  <p:clrMapOvr>
+    <a:masterClrMapping/>
+  </p:clrMapOvr>
+</p:sld>
+</file>
+
+<file path=ppt/slides/slide5.xml><?xml version="1.0" encoding="utf-8"?>
 <p:sld xmlns:a="http://schemas.openxmlformats.org/drawingml/2006/main" xmlns:r="http://schemas.openxmlformats.org/officeDocument/2006/relationships" xmlns:p="http://schemas.openxmlformats.org/presentationml/2006/main">
   <p:cSld>
     <p:spTree>
@@ -11273,7 +11757,7 @@
 </p:sld>
 </file>
 
-<file path=ppt/slides/slide4.xml><?xml version="1.0" encoding="utf-8"?>
+<file path=ppt/slides/slide6.xml><?xml version="1.0" encoding="utf-8"?>
 <p:sld xmlns:a="http://schemas.openxmlformats.org/drawingml/2006/main" xmlns:r="http://schemas.openxmlformats.org/officeDocument/2006/relationships" xmlns:p="http://schemas.openxmlformats.org/presentationml/2006/main">
   <p:cSld>
     <p:spTree>
@@ -11305,6 +11789,90 @@
           <a:bodyPr/>
           <a:lstStyle/>
           <a:p>
+            <a:r>
+              <a:rPr lang="fr-FR" dirty="0" smtClean="0"/>
+              <a:t>Softwares </a:t>
+            </a:r>
+            <a:r>
+              <a:rPr lang="fr-FR" dirty="0" err="1" smtClean="0"/>
+              <a:t>used</a:t>
+            </a:r>
+            <a:r>
+              <a:rPr lang="fr-FR" smtClean="0"/>
+              <a:t> :</a:t>
+            </a:r>
+            <a:endParaRPr lang="fr-FR"/>
+          </a:p>
+        </p:txBody>
+      </p:sp>
+      <p:sp>
+        <p:nvSpPr>
+          <p:cNvPr id="3" name="Espace réservé du contenu 2"/>
+          <p:cNvSpPr>
+            <a:spLocks noGrp="1"/>
+          </p:cNvSpPr>
+          <p:nvPr>
+            <p:ph idx="1"/>
+          </p:nvPr>
+        </p:nvSpPr>
+        <p:spPr/>
+        <p:txBody>
+          <a:bodyPr/>
+          <a:lstStyle/>
+          <a:p>
+            <a:endParaRPr lang="fr-FR"/>
+          </a:p>
+        </p:txBody>
+      </p:sp>
+    </p:spTree>
+    <p:extLst>
+      <p:ext uri="{BB962C8B-B14F-4D97-AF65-F5344CB8AC3E}">
+        <p14:creationId xmlns:p14="http://schemas.microsoft.com/office/powerpoint/2010/main" val="3700096101"/>
+      </p:ext>
+    </p:extLst>
+  </p:cSld>
+  <p:clrMapOvr>
+    <a:masterClrMapping/>
+  </p:clrMapOvr>
+</p:sld>
+</file>
+
+<file path=ppt/slides/slide7.xml><?xml version="1.0" encoding="utf-8"?>
+<p:sld xmlns:a="http://schemas.openxmlformats.org/drawingml/2006/main" xmlns:r="http://schemas.openxmlformats.org/officeDocument/2006/relationships" xmlns:p="http://schemas.openxmlformats.org/presentationml/2006/main">
+  <p:cSld>
+    <p:spTree>
+      <p:nvGrpSpPr>
+        <p:cNvPr id="1" name=""/>
+        <p:cNvGrpSpPr/>
+        <p:nvPr/>
+      </p:nvGrpSpPr>
+      <p:grpSpPr>
+        <a:xfrm>
+          <a:off x="0" y="0"/>
+          <a:ext cx="0" cy="0"/>
+          <a:chOff x="0" y="0"/>
+          <a:chExt cx="0" cy="0"/>
+        </a:xfrm>
+      </p:grpSpPr>
+      <p:sp>
+        <p:nvSpPr>
+          <p:cNvPr id="2" name="Titre 1"/>
+          <p:cNvSpPr>
+            <a:spLocks noGrp="1"/>
+          </p:cNvSpPr>
+          <p:nvPr>
+            <p:ph type="title"/>
+          </p:nvPr>
+        </p:nvSpPr>
+        <p:spPr/>
+        <p:txBody>
+          <a:bodyPr/>
+          <a:lstStyle/>
+          <a:p>
+            <a:r>
+              <a:rPr lang="fr-FR" dirty="0" smtClean="0"/>
+              <a:t>Conception :</a:t>
+            </a:r>
             <a:endParaRPr lang="fr-FR" dirty="0"/>
           </a:p>
         </p:txBody>
@@ -11312,6 +11880,78 @@
       <p:sp>
         <p:nvSpPr>
           <p:cNvPr id="3" name="Espace réservé du contenu 2"/>
+          <p:cNvSpPr>
+            <a:spLocks noGrp="1"/>
+          </p:cNvSpPr>
+          <p:nvPr>
+            <p:ph idx="1"/>
+          </p:nvPr>
+        </p:nvSpPr>
+        <p:spPr/>
+        <p:txBody>
+          <a:bodyPr/>
+          <a:lstStyle/>
+          <a:p>
+            <a:endParaRPr lang="fr-FR"/>
+          </a:p>
+        </p:txBody>
+      </p:sp>
+    </p:spTree>
+    <p:extLst>
+      <p:ext uri="{BB962C8B-B14F-4D97-AF65-F5344CB8AC3E}">
+        <p14:creationId xmlns:p14="http://schemas.microsoft.com/office/powerpoint/2010/main" val="1696665968"/>
+      </p:ext>
+    </p:extLst>
+  </p:cSld>
+  <p:clrMapOvr>
+    <a:masterClrMapping/>
+  </p:clrMapOvr>
+</p:sld>
+</file>
+
+<file path=ppt/slides/slide8.xml><?xml version="1.0" encoding="utf-8"?>
+<p:sld xmlns:a="http://schemas.openxmlformats.org/drawingml/2006/main" xmlns:r="http://schemas.openxmlformats.org/officeDocument/2006/relationships" xmlns:p="http://schemas.openxmlformats.org/presentationml/2006/main">
+  <p:cSld>
+    <p:spTree>
+      <p:nvGrpSpPr>
+        <p:cNvPr id="1" name=""/>
+        <p:cNvGrpSpPr/>
+        <p:nvPr/>
+      </p:nvGrpSpPr>
+      <p:grpSpPr>
+        <a:xfrm>
+          <a:off x="0" y="0"/>
+          <a:ext cx="0" cy="0"/>
+          <a:chOff x="0" y="0"/>
+          <a:chExt cx="0" cy="0"/>
+        </a:xfrm>
+      </p:grpSpPr>
+      <p:sp>
+        <p:nvSpPr>
+          <p:cNvPr id="4" name="Titre 3"/>
+          <p:cNvSpPr>
+            <a:spLocks noGrp="1"/>
+          </p:cNvSpPr>
+          <p:nvPr>
+            <p:ph type="title"/>
+          </p:nvPr>
+        </p:nvSpPr>
+        <p:spPr/>
+        <p:txBody>
+          <a:bodyPr/>
+          <a:lstStyle/>
+          <a:p>
+            <a:r>
+              <a:rPr lang="fr-FR" dirty="0" smtClean="0"/>
+              <a:t>*MOCKUP*</a:t>
+            </a:r>
+            <a:endParaRPr lang="fr-FR" dirty="0"/>
+          </a:p>
+        </p:txBody>
+      </p:sp>
+      <p:sp>
+        <p:nvSpPr>
+          <p:cNvPr id="7" name="Espace réservé du contenu 6"/>
           <p:cNvSpPr>
             <a:spLocks noGrp="1"/>
           </p:cNvSpPr>
@@ -11345,6 +11985,78 @@
       </p:par>
     </p:tnLst>
   </p:timing>
+</p:sld>
+</file>
+
+<file path=ppt/slides/slide9.xml><?xml version="1.0" encoding="utf-8"?>
+<p:sld xmlns:a="http://schemas.openxmlformats.org/drawingml/2006/main" xmlns:r="http://schemas.openxmlformats.org/officeDocument/2006/relationships" xmlns:p="http://schemas.openxmlformats.org/presentationml/2006/main">
+  <p:cSld>
+    <p:spTree>
+      <p:nvGrpSpPr>
+        <p:cNvPr id="1" name=""/>
+        <p:cNvGrpSpPr/>
+        <p:nvPr/>
+      </p:nvGrpSpPr>
+      <p:grpSpPr>
+        <a:xfrm>
+          <a:off x="0" y="0"/>
+          <a:ext cx="0" cy="0"/>
+          <a:chOff x="0" y="0"/>
+          <a:chExt cx="0" cy="0"/>
+        </a:xfrm>
+      </p:grpSpPr>
+      <p:sp>
+        <p:nvSpPr>
+          <p:cNvPr id="2" name="Titre 1"/>
+          <p:cNvSpPr>
+            <a:spLocks noGrp="1"/>
+          </p:cNvSpPr>
+          <p:nvPr>
+            <p:ph type="title"/>
+          </p:nvPr>
+        </p:nvSpPr>
+        <p:spPr/>
+        <p:txBody>
+          <a:bodyPr/>
+          <a:lstStyle/>
+          <a:p>
+            <a:r>
+              <a:rPr lang="fr-FR" dirty="0" smtClean="0"/>
+              <a:t>*MCD*</a:t>
+            </a:r>
+            <a:endParaRPr lang="fr-FR" dirty="0"/>
+          </a:p>
+        </p:txBody>
+      </p:sp>
+      <p:sp>
+        <p:nvSpPr>
+          <p:cNvPr id="4" name="Espace réservé du contenu 3"/>
+          <p:cNvSpPr>
+            <a:spLocks noGrp="1"/>
+          </p:cNvSpPr>
+          <p:nvPr>
+            <p:ph idx="1"/>
+          </p:nvPr>
+        </p:nvSpPr>
+        <p:spPr/>
+        <p:txBody>
+          <a:bodyPr/>
+          <a:lstStyle/>
+          <a:p>
+            <a:endParaRPr lang="fr-FR"/>
+          </a:p>
+        </p:txBody>
+      </p:sp>
+    </p:spTree>
+    <p:extLst>
+      <p:ext uri="{BB962C8B-B14F-4D97-AF65-F5344CB8AC3E}">
+        <p14:creationId xmlns:p14="http://schemas.microsoft.com/office/powerpoint/2010/main" val="2542732291"/>
+      </p:ext>
+    </p:extLst>
+  </p:cSld>
+  <p:clrMapOvr>
+    <a:masterClrMapping/>
+  </p:clrMapOvr>
 </p:sld>
 </file>
 

--- a/Documentation/Presentation project.pptx
+++ b/Documentation/Presentation project.pptx
@@ -14,9 +14,8 @@
     <p:sldId id="262" r:id="rId8"/>
     <p:sldId id="259" r:id="rId9"/>
     <p:sldId id="260" r:id="rId10"/>
-    <p:sldId id="261" r:id="rId11"/>
-    <p:sldId id="263" r:id="rId12"/>
-    <p:sldId id="264" r:id="rId13"/>
+    <p:sldId id="263" r:id="rId11"/>
+    <p:sldId id="264" r:id="rId12"/>
   </p:sldIdLst>
   <p:sldSz cx="9144000" cy="6858000" type="screen4x3"/>
   <p:notesSz cx="6858000" cy="9144000"/>
@@ -11196,74 +11195,6 @@
       </p:grpSpPr>
       <p:sp>
         <p:nvSpPr>
-          <p:cNvPr id="4" name="Titre 3"/>
-          <p:cNvSpPr>
-            <a:spLocks noGrp="1"/>
-          </p:cNvSpPr>
-          <p:nvPr>
-            <p:ph type="title"/>
-          </p:nvPr>
-        </p:nvSpPr>
-        <p:spPr/>
-        <p:txBody>
-          <a:bodyPr/>
-          <a:lstStyle/>
-          <a:p>
-            <a:endParaRPr lang="fr-FR" dirty="0"/>
-          </a:p>
-        </p:txBody>
-      </p:sp>
-      <p:sp>
-        <p:nvSpPr>
-          <p:cNvPr id="5" name="Espace réservé du contenu 4"/>
-          <p:cNvSpPr>
-            <a:spLocks noGrp="1"/>
-          </p:cNvSpPr>
-          <p:nvPr>
-            <p:ph idx="1"/>
-          </p:nvPr>
-        </p:nvSpPr>
-        <p:spPr/>
-        <p:txBody>
-          <a:bodyPr/>
-          <a:lstStyle/>
-          <a:p>
-            <a:endParaRPr lang="fr-FR"/>
-          </a:p>
-        </p:txBody>
-      </p:sp>
-    </p:spTree>
-    <p:extLst>
-      <p:ext uri="{BB962C8B-B14F-4D97-AF65-F5344CB8AC3E}">
-        <p14:creationId xmlns:p14="http://schemas.microsoft.com/office/powerpoint/2010/main" val="3112329512"/>
-      </p:ext>
-    </p:extLst>
-  </p:cSld>
-  <p:clrMapOvr>
-    <a:masterClrMapping/>
-  </p:clrMapOvr>
-</p:sld>
-</file>
-
-<file path=ppt/slides/slide11.xml><?xml version="1.0" encoding="utf-8"?>
-<p:sld xmlns:a="http://schemas.openxmlformats.org/drawingml/2006/main" xmlns:r="http://schemas.openxmlformats.org/officeDocument/2006/relationships" xmlns:p="http://schemas.openxmlformats.org/presentationml/2006/main">
-  <p:cSld>
-    <p:spTree>
-      <p:nvGrpSpPr>
-        <p:cNvPr id="1" name=""/>
-        <p:cNvGrpSpPr/>
-        <p:nvPr/>
-      </p:nvGrpSpPr>
-      <p:grpSpPr>
-        <a:xfrm>
-          <a:off x="0" y="0"/>
-          <a:ext cx="0" cy="0"/>
-          <a:chOff x="0" y="0"/>
-          <a:chExt cx="0" cy="0"/>
-        </a:xfrm>
-      </p:grpSpPr>
-      <p:sp>
-        <p:nvSpPr>
           <p:cNvPr id="2" name="Titre 1"/>
           <p:cNvSpPr>
             <a:spLocks noGrp="1"/>
@@ -11317,7 +11248,7 @@
 </p:sld>
 </file>
 
-<file path=ppt/slides/slide12.xml><?xml version="1.0" encoding="utf-8"?>
+<file path=ppt/slides/slide11.xml><?xml version="1.0" encoding="utf-8"?>
 <p:sld xmlns:a="http://schemas.openxmlformats.org/drawingml/2006/main" xmlns:r="http://schemas.openxmlformats.org/officeDocument/2006/relationships" xmlns:p="http://schemas.openxmlformats.org/presentationml/2006/main">
   <p:cSld>
     <p:spTree>
@@ -11565,11 +11496,23 @@
             </a:r>
             <a:r>
               <a:rPr lang="en-US" dirty="0" err="1" smtClean="0"/>
-              <a:t>eXi@Store</a:t>
+              <a:t>eXi</a:t>
+            </a:r>
+            <a:r>
+              <a:rPr lang="en-US" dirty="0" err="1" smtClean="0">
+                <a:solidFill>
+                  <a:srgbClr val="FF0000"/>
+                </a:solidFill>
+              </a:rPr>
+              <a:t>@</a:t>
+            </a:r>
+            <a:r>
+              <a:rPr lang="en-US" dirty="0" err="1" smtClean="0"/>
+              <a:t>Store</a:t>
             </a:r>
             <a:r>
               <a:rPr lang="en-US" dirty="0" smtClean="0"/>
-              <a:t>, which they are selling music, movies, videos games and books.</a:t>
+              <a:t>.</a:t>
             </a:r>
             <a:endParaRPr lang="en-US" dirty="0"/>
           </a:p>
@@ -11645,14 +11588,24 @@
           <a:p>
             <a:r>
               <a:rPr lang="en-US" dirty="0" smtClean="0"/>
-              <a:t>The customer would be able to have an account on the website by registration, further can be logged-in</a:t>
-            </a:r>
-          </a:p>
-          <a:p>
+              <a:t>Register and login</a:t>
+            </a:r>
+          </a:p>
+          <a:p>
+            <a:r>
+              <a:rPr lang="en-US" dirty="0"/>
+              <a:t>B</a:t>
+            </a:r>
             <a:r>
               <a:rPr lang="en-US" dirty="0" smtClean="0"/>
-              <a:t>A basket where the customer is able to storage the products he chose</a:t>
-            </a:r>
+              <a:t>asket for products</a:t>
+            </a:r>
+          </a:p>
+          <a:p>
+            <a:endParaRPr lang="en-US" dirty="0" smtClean="0"/>
+          </a:p>
+          <a:p>
+            <a:endParaRPr lang="en-US" dirty="0" smtClean="0"/>
           </a:p>
           <a:p>
             <a:endParaRPr lang="en-US" dirty="0"/>
@@ -11774,53 +11727,367 @@
           <a:chExt cx="0" cy="0"/>
         </a:xfrm>
       </p:grpSpPr>
+      <p:pic>
+        <p:nvPicPr>
+          <p:cNvPr id="4" name="Image 3"/>
+          <p:cNvPicPr>
+            <a:picLocks noChangeAspect="1"/>
+          </p:cNvPicPr>
+          <p:nvPr/>
+        </p:nvPicPr>
+        <p:blipFill>
+          <a:blip r:embed="rId2">
+            <a:extLst>
+              <a:ext uri="{28A0092B-C50C-407E-A947-70E740481C1C}">
+                <a14:useLocalDpi xmlns:a14="http://schemas.microsoft.com/office/drawing/2010/main" val="0"/>
+              </a:ext>
+            </a:extLst>
+          </a:blip>
+          <a:stretch>
+            <a:fillRect/>
+          </a:stretch>
+        </p:blipFill>
+        <p:spPr>
+          <a:xfrm>
+            <a:off x="899592" y="1505615"/>
+            <a:ext cx="1419225" cy="1047750"/>
+          </a:xfrm>
+          <a:prstGeom prst="rect">
+            <a:avLst/>
+          </a:prstGeom>
+        </p:spPr>
+      </p:pic>
+      <p:pic>
+        <p:nvPicPr>
+          <p:cNvPr id="8" name="Image 7"/>
+          <p:cNvPicPr>
+            <a:picLocks noChangeAspect="1"/>
+          </p:cNvPicPr>
+          <p:nvPr/>
+        </p:nvPicPr>
+        <p:blipFill>
+          <a:blip r:embed="rId3">
+            <a:extLst>
+              <a:ext uri="{28A0092B-C50C-407E-A947-70E740481C1C}">
+                <a14:useLocalDpi xmlns:a14="http://schemas.microsoft.com/office/drawing/2010/main" val="0"/>
+              </a:ext>
+            </a:extLst>
+          </a:blip>
+          <a:stretch>
+            <a:fillRect/>
+          </a:stretch>
+        </p:blipFill>
+        <p:spPr>
+          <a:xfrm>
+            <a:off x="2915816" y="620688"/>
+            <a:ext cx="1119758" cy="1119758"/>
+          </a:xfrm>
+          <a:prstGeom prst="rect">
+            <a:avLst/>
+          </a:prstGeom>
+          <a:ln w="38100" cap="sq">
+            <a:solidFill>
+              <a:srgbClr val="000000"/>
+            </a:solidFill>
+            <a:prstDash val="solid"/>
+            <a:miter lim="800000"/>
+          </a:ln>
+          <a:effectLst>
+            <a:outerShdw blurRad="50800" dist="38100" dir="2700000" algn="tl" rotWithShape="0">
+              <a:srgbClr val="000000">
+                <a:alpha val="43000"/>
+              </a:srgbClr>
+            </a:outerShdw>
+          </a:effectLst>
+        </p:spPr>
+      </p:pic>
       <p:sp>
         <p:nvSpPr>
-          <p:cNvPr id="2" name="Titre 1"/>
-          <p:cNvSpPr>
-            <a:spLocks noGrp="1"/>
-          </p:cNvSpPr>
-          <p:nvPr>
-            <p:ph type="title"/>
-          </p:nvPr>
+          <p:cNvPr id="9" name="ZoneTexte 8"/>
+          <p:cNvSpPr txBox="1"/>
+          <p:nvPr/>
         </p:nvSpPr>
-        <p:spPr/>
+        <p:spPr>
+          <a:xfrm>
+            <a:off x="3131840" y="1844824"/>
+            <a:ext cx="1563248" cy="369332"/>
+          </a:xfrm>
+          <a:prstGeom prst="rect">
+            <a:avLst/>
+          </a:prstGeom>
+          <a:noFill/>
+        </p:spPr>
         <p:txBody>
-          <a:bodyPr/>
+          <a:bodyPr wrap="none" rtlCol="0">
+            <a:spAutoFit/>
+          </a:bodyPr>
           <a:lstStyle/>
           <a:p>
             <a:r>
               <a:rPr lang="fr-FR" dirty="0" smtClean="0"/>
-              <a:t>Softwares </a:t>
+              <a:t>Sublime </a:t>
             </a:r>
             <a:r>
               <a:rPr lang="fr-FR" dirty="0" err="1" smtClean="0"/>
-              <a:t>used</a:t>
-            </a:r>
-            <a:r>
-              <a:rPr lang="fr-FR" smtClean="0"/>
-              <a:t> :</a:t>
-            </a:r>
-            <a:endParaRPr lang="fr-FR"/>
+              <a:t>Text</a:t>
+            </a:r>
+            <a:r>
+              <a:rPr lang="fr-FR" dirty="0" smtClean="0"/>
+              <a:t> 3</a:t>
+            </a:r>
+            <a:endParaRPr lang="fr-FR" dirty="0"/>
           </a:p>
         </p:txBody>
       </p:sp>
+      <p:pic>
+        <p:nvPicPr>
+          <p:cNvPr id="10" name="Image 9" descr="http://nowthatiseasy.com/wp-content/uploads/2013/08/WampServer-logo.png"/>
+          <p:cNvPicPr/>
+          <p:nvPr/>
+        </p:nvPicPr>
+        <p:blipFill>
+          <a:blip r:embed="rId4" cstate="print">
+            <a:extLst>
+              <a:ext uri="{28A0092B-C50C-407E-A947-70E740481C1C}">
+                <a14:useLocalDpi xmlns:a14="http://schemas.microsoft.com/office/drawing/2010/main" val="0"/>
+              </a:ext>
+            </a:extLst>
+          </a:blip>
+          <a:srcRect/>
+          <a:stretch>
+            <a:fillRect/>
+          </a:stretch>
+        </p:blipFill>
+        <p:spPr bwMode="auto">
+          <a:xfrm>
+            <a:off x="7236296" y="1505615"/>
+            <a:ext cx="1638300" cy="1630680"/>
+          </a:xfrm>
+          <a:prstGeom prst="rect">
+            <a:avLst/>
+          </a:prstGeom>
+          <a:noFill/>
+          <a:ln>
+            <a:noFill/>
+          </a:ln>
+        </p:spPr>
+      </p:pic>
       <p:sp>
         <p:nvSpPr>
-          <p:cNvPr id="3" name="Espace réservé du contenu 2"/>
-          <p:cNvSpPr>
-            <a:spLocks noGrp="1"/>
-          </p:cNvSpPr>
-          <p:nvPr>
-            <p:ph idx="1"/>
-          </p:nvPr>
+          <p:cNvPr id="11" name="ZoneTexte 10"/>
+          <p:cNvSpPr txBox="1"/>
+          <p:nvPr/>
         </p:nvSpPr>
-        <p:spPr/>
+        <p:spPr>
+          <a:xfrm>
+            <a:off x="6813712" y="3136295"/>
+            <a:ext cx="845168" cy="369332"/>
+          </a:xfrm>
+          <a:prstGeom prst="rect">
+            <a:avLst/>
+          </a:prstGeom>
+          <a:noFill/>
+        </p:spPr>
         <p:txBody>
-          <a:bodyPr/>
+          <a:bodyPr wrap="none" rtlCol="0">
+            <a:spAutoFit/>
+          </a:bodyPr>
           <a:lstStyle/>
           <a:p>
-            <a:endParaRPr lang="fr-FR"/>
+            <a:r>
+              <a:rPr lang="fr-FR" dirty="0" smtClean="0"/>
+              <a:t>WAMP</a:t>
+            </a:r>
+            <a:endParaRPr lang="fr-FR" dirty="0"/>
+          </a:p>
+        </p:txBody>
+      </p:sp>
+      <p:pic>
+        <p:nvPicPr>
+          <p:cNvPr id="12" name="Image 11" descr="http://developertodesigner.files.wordpress.com/2012/07/balsamiq.png"/>
+          <p:cNvPicPr/>
+          <p:nvPr/>
+        </p:nvPicPr>
+        <p:blipFill>
+          <a:blip r:embed="rId5" cstate="print">
+            <a:extLst>
+              <a:ext uri="{28A0092B-C50C-407E-A947-70E740481C1C}">
+                <a14:useLocalDpi xmlns:a14="http://schemas.microsoft.com/office/drawing/2010/main" val="0"/>
+              </a:ext>
+            </a:extLst>
+          </a:blip>
+          <a:srcRect/>
+          <a:stretch>
+            <a:fillRect/>
+          </a:stretch>
+        </p:blipFill>
+        <p:spPr bwMode="auto">
+          <a:xfrm>
+            <a:off x="1285136" y="3789040"/>
+            <a:ext cx="1630680" cy="1630680"/>
+          </a:xfrm>
+          <a:prstGeom prst="rect">
+            <a:avLst/>
+          </a:prstGeom>
+          <a:noFill/>
+          <a:ln>
+            <a:noFill/>
+          </a:ln>
+        </p:spPr>
+      </p:pic>
+      <p:sp>
+        <p:nvSpPr>
+          <p:cNvPr id="13" name="ZoneTexte 12"/>
+          <p:cNvSpPr txBox="1"/>
+          <p:nvPr/>
+        </p:nvSpPr>
+        <p:spPr>
+          <a:xfrm>
+            <a:off x="2073537" y="5419720"/>
+            <a:ext cx="1058303" cy="369332"/>
+          </a:xfrm>
+          <a:prstGeom prst="rect">
+            <a:avLst/>
+          </a:prstGeom>
+          <a:noFill/>
+        </p:spPr>
+        <p:txBody>
+          <a:bodyPr wrap="none" rtlCol="0">
+            <a:spAutoFit/>
+          </a:bodyPr>
+          <a:lstStyle/>
+          <a:p>
+            <a:r>
+              <a:rPr lang="fr-FR" dirty="0" err="1" smtClean="0"/>
+              <a:t>Balasmiq</a:t>
+            </a:r>
+            <a:endParaRPr lang="fr-FR" dirty="0"/>
+          </a:p>
+        </p:txBody>
+      </p:sp>
+      <p:pic>
+        <p:nvPicPr>
+          <p:cNvPr id="14" name="Image 13" descr="http://img.informer.com/icons/png/48/3389/3389573.png"/>
+          <p:cNvPicPr/>
+          <p:nvPr/>
+        </p:nvPicPr>
+        <p:blipFill>
+          <a:blip r:embed="rId6">
+            <a:extLst>
+              <a:ext uri="{28A0092B-C50C-407E-A947-70E740481C1C}">
+                <a14:useLocalDpi xmlns:a14="http://schemas.microsoft.com/office/drawing/2010/main" val="0"/>
+              </a:ext>
+            </a:extLst>
+          </a:blip>
+          <a:srcRect/>
+          <a:stretch>
+            <a:fillRect/>
+          </a:stretch>
+        </p:blipFill>
+        <p:spPr bwMode="auto">
+          <a:xfrm>
+            <a:off x="4338008" y="3136294"/>
+            <a:ext cx="810056" cy="940777"/>
+          </a:xfrm>
+          <a:prstGeom prst="rect">
+            <a:avLst/>
+          </a:prstGeom>
+          <a:noFill/>
+          <a:ln>
+            <a:noFill/>
+          </a:ln>
+        </p:spPr>
+      </p:pic>
+      <p:sp>
+        <p:nvSpPr>
+          <p:cNvPr id="15" name="ZoneTexte 14"/>
+          <p:cNvSpPr txBox="1"/>
+          <p:nvPr/>
+        </p:nvSpPr>
+        <p:spPr>
+          <a:xfrm>
+            <a:off x="4695088" y="4077071"/>
+            <a:ext cx="1258165" cy="369332"/>
+          </a:xfrm>
+          <a:prstGeom prst="rect">
+            <a:avLst/>
+          </a:prstGeom>
+          <a:noFill/>
+        </p:spPr>
+        <p:txBody>
+          <a:bodyPr wrap="none" rtlCol="0">
+            <a:spAutoFit/>
+          </a:bodyPr>
+          <a:lstStyle/>
+          <a:p>
+            <a:r>
+              <a:rPr lang="fr-FR" dirty="0" err="1" smtClean="0"/>
+              <a:t>PowerAMC</a:t>
+            </a:r>
+            <a:endParaRPr lang="fr-FR" dirty="0"/>
+          </a:p>
+        </p:txBody>
+      </p:sp>
+      <p:pic>
+        <p:nvPicPr>
+          <p:cNvPr id="16" name="Image 15" descr="http://blog.apterainc.com/Portals/213381/images/MS_Project_Logo.JPG"/>
+          <p:cNvPicPr/>
+          <p:nvPr/>
+        </p:nvPicPr>
+        <p:blipFill>
+          <a:blip r:embed="rId7" cstate="print">
+            <a:extLst>
+              <a:ext uri="{28A0092B-C50C-407E-A947-70E740481C1C}">
+                <a14:useLocalDpi xmlns:a14="http://schemas.microsoft.com/office/drawing/2010/main" val="0"/>
+              </a:ext>
+            </a:extLst>
+          </a:blip>
+          <a:srcRect/>
+          <a:stretch>
+            <a:fillRect/>
+          </a:stretch>
+        </p:blipFill>
+        <p:spPr bwMode="auto">
+          <a:xfrm>
+            <a:off x="6516216" y="5421615"/>
+            <a:ext cx="1992630" cy="897557"/>
+          </a:xfrm>
+          <a:prstGeom prst="rect">
+            <a:avLst/>
+          </a:prstGeom>
+          <a:noFill/>
+          <a:ln>
+            <a:noFill/>
+          </a:ln>
+        </p:spPr>
+      </p:pic>
+      <p:sp>
+        <p:nvSpPr>
+          <p:cNvPr id="17" name="ZoneTexte 16"/>
+          <p:cNvSpPr txBox="1"/>
+          <p:nvPr/>
+        </p:nvSpPr>
+        <p:spPr>
+          <a:xfrm>
+            <a:off x="5601542" y="5050388"/>
+            <a:ext cx="1829347" cy="369332"/>
+          </a:xfrm>
+          <a:prstGeom prst="rect">
+            <a:avLst/>
+          </a:prstGeom>
+          <a:noFill/>
+        </p:spPr>
+        <p:txBody>
+          <a:bodyPr wrap="none" rtlCol="0">
+            <a:spAutoFit/>
+          </a:bodyPr>
+          <a:lstStyle/>
+          <a:p>
+            <a:r>
+              <a:rPr lang="fr-FR" dirty="0" smtClean="0"/>
+              <a:t>Microsoft Project</a:t>
+            </a:r>
+            <a:endParaRPr lang="fr-FR" dirty="0"/>
           </a:p>
         </p:txBody>
       </p:sp>

--- a/Documentation/Presentation project.pptx
+++ b/Documentation/Presentation project.pptx
@@ -5481,7 +5481,7 @@
           </a:ln>
           <a:extLst>
             <a:ext uri="{91240B29-F687-4f45-9708-019B960494DF}">
-              <a14:hiddenLine xmlns="" xmlns:a14="http://schemas.microsoft.com/office/drawing/2010/main" w="9525">
+              <a14:hiddenLine xmlns:a14="http://schemas.microsoft.com/office/drawing/2010/main" xmlns="" w="9525">
                 <a:solidFill>
                   <a:srgbClr val="000000"/>
                 </a:solidFill>
@@ -5536,7 +5536,7 @@
           </a:ln>
           <a:extLst>
             <a:ext uri="{91240B29-F687-4f45-9708-019B960494DF}">
-              <a14:hiddenLine xmlns="" xmlns:a14="http://schemas.microsoft.com/office/drawing/2010/main" w="9525">
+              <a14:hiddenLine xmlns:a14="http://schemas.microsoft.com/office/drawing/2010/main" xmlns="" w="9525">
                 <a:solidFill>
                   <a:srgbClr val="000000"/>
                 </a:solidFill>
@@ -11062,22 +11062,14 @@
             </a:r>
             <a:r>
               <a:rPr lang="fr-FR" u="sng" dirty="0" smtClean="0"/>
-              <a:t> </a:t>
-            </a:r>
-            <a:r>
-              <a:rPr lang="fr-FR" u="sng" dirty="0" smtClean="0"/>
-              <a:t>project</a:t>
+              <a:t> project</a:t>
             </a:r>
             <a:br>
               <a:rPr lang="fr-FR" u="sng" dirty="0" smtClean="0"/>
             </a:br>
             <a:r>
               <a:rPr lang="fr-FR" i="1" dirty="0" err="1" smtClean="0"/>
-              <a:t>eX</a:t>
-            </a:r>
-            <a:r>
-              <a:rPr lang="fr-FR" i="1" dirty="0" err="1" smtClean="0"/>
-              <a:t>i</a:t>
+              <a:t>eXi</a:t>
             </a:r>
             <a:r>
               <a:rPr lang="fr-FR" i="1" dirty="0" err="1" smtClean="0">
@@ -11583,7 +11575,9 @@
         </p:nvSpPr>
         <p:spPr/>
         <p:txBody>
-          <a:bodyPr/>
+          <a:bodyPr>
+            <a:normAutofit fontScale="92500" lnSpcReduction="20000"/>
+          </a:bodyPr>
           <a:lstStyle/>
           <a:p>
             <a:r>
@@ -11598,13 +11592,51 @@
             </a:r>
             <a:r>
               <a:rPr lang="en-US" dirty="0" smtClean="0"/>
-              <a:t>asket for products</a:t>
-            </a:r>
-          </a:p>
-          <a:p>
+              <a:t>asket </a:t>
+            </a:r>
+            <a:r>
+              <a:rPr lang="en-US" dirty="0" smtClean="0"/>
+              <a:t>for storing chosen products</a:t>
+            </a:r>
+          </a:p>
+          <a:p>
+            <a:r>
+              <a:rPr lang="en-US" dirty="0" smtClean="0"/>
+              <a:t>Searching function</a:t>
+            </a:r>
             <a:endParaRPr lang="en-US" dirty="0" smtClean="0"/>
           </a:p>
           <a:p>
+            <a:r>
+              <a:rPr lang="en-US" dirty="0" smtClean="0"/>
+              <a:t>Display of proposed products</a:t>
+            </a:r>
+          </a:p>
+          <a:p>
+            <a:r>
+              <a:rPr lang="en-US" dirty="0" smtClean="0"/>
+              <a:t>Using PDO and MVC model</a:t>
+            </a:r>
+            <a:endParaRPr lang="en-US" dirty="0" smtClean="0"/>
+          </a:p>
+          <a:p>
+            <a:r>
+              <a:rPr lang="en-US" dirty="0" smtClean="0"/>
+              <a:t>Administration interface</a:t>
+            </a:r>
+          </a:p>
+          <a:p>
+            <a:r>
+              <a:rPr lang="en-US" dirty="0" smtClean="0"/>
+              <a:t>Responsive designed website</a:t>
+            </a:r>
+            <a:endParaRPr lang="en-US" dirty="0" smtClean="0"/>
+          </a:p>
+          <a:p>
+            <a:r>
+              <a:rPr lang="en-US" smtClean="0"/>
+              <a:t>Order management</a:t>
+            </a:r>
             <a:endParaRPr lang="en-US" dirty="0" smtClean="0"/>
           </a:p>
           <a:p>

--- a/Documentation/Presentation project.pptx
+++ b/Documentation/Presentation project.pptx
@@ -10,12 +10,15 @@
     <p:sldId id="265" r:id="rId4"/>
     <p:sldId id="266" r:id="rId5"/>
     <p:sldId id="258" r:id="rId6"/>
-    <p:sldId id="267" r:id="rId7"/>
-    <p:sldId id="262" r:id="rId8"/>
-    <p:sldId id="259" r:id="rId9"/>
-    <p:sldId id="260" r:id="rId10"/>
-    <p:sldId id="263" r:id="rId11"/>
-    <p:sldId id="264" r:id="rId12"/>
+    <p:sldId id="268" r:id="rId7"/>
+    <p:sldId id="267" r:id="rId8"/>
+    <p:sldId id="262" r:id="rId9"/>
+    <p:sldId id="259" r:id="rId10"/>
+    <p:sldId id="260" r:id="rId11"/>
+    <p:sldId id="269" r:id="rId12"/>
+    <p:sldId id="270" r:id="rId13"/>
+    <p:sldId id="263" r:id="rId14"/>
+    <p:sldId id="264" r:id="rId15"/>
   </p:sldIdLst>
   <p:sldSz cx="9144000" cy="6858000" type="screen4x3"/>
   <p:notesSz cx="6858000" cy="9144000"/>
@@ -970,7 +973,11 @@
         <a:p>
           <a:r>
             <a:rPr lang="en-US" noProof="0" dirty="0" smtClean="0"/>
-            <a:t>Back end developer</a:t>
+            <a:t>Back-End </a:t>
+          </a:r>
+          <a:r>
+            <a:rPr lang="en-US" noProof="0" dirty="0" smtClean="0"/>
+            <a:t>developer</a:t>
           </a:r>
           <a:endParaRPr lang="en-US" noProof="0" dirty="0"/>
         </a:p>
@@ -1011,7 +1018,11 @@
         <a:p>
           <a:r>
             <a:rPr lang="en-US" noProof="0" dirty="0" smtClean="0"/>
-            <a:t>SQL developer</a:t>
+            <a:t>SQL/Database </a:t>
+          </a:r>
+          <a:r>
+            <a:rPr lang="en-US" noProof="0" dirty="0" smtClean="0"/>
+            <a:t>developer</a:t>
           </a:r>
           <a:endParaRPr lang="en-US" noProof="0" dirty="0"/>
         </a:p>
@@ -1097,7 +1108,11 @@
         <a:p>
           <a:r>
             <a:rPr lang="en-US" noProof="0" dirty="0" smtClean="0"/>
-            <a:t>Front end developer</a:t>
+            <a:t>Front-End </a:t>
+          </a:r>
+          <a:r>
+            <a:rPr lang="en-US" noProof="0" dirty="0" smtClean="0"/>
+            <a:t>developer</a:t>
           </a:r>
           <a:endParaRPr lang="en-US" noProof="0" dirty="0"/>
         </a:p>
@@ -2133,7 +2148,11 @@
           </a:pPr>
           <a:r>
             <a:rPr lang="en-US" sz="1200" kern="1200" noProof="0" dirty="0" smtClean="0"/>
-            <a:t>Back end developer</a:t>
+            <a:t>Back-End </a:t>
+          </a:r>
+          <a:r>
+            <a:rPr lang="en-US" sz="1200" kern="1200" noProof="0" dirty="0" smtClean="0"/>
+            <a:t>developer</a:t>
           </a:r>
           <a:endParaRPr lang="en-US" sz="1200" kern="1200" noProof="0" dirty="0"/>
         </a:p>
@@ -2469,7 +2488,11 @@
           </a:pPr>
           <a:r>
             <a:rPr lang="en-US" sz="1100" kern="1200" noProof="0" dirty="0" smtClean="0"/>
-            <a:t>Front end developer</a:t>
+            <a:t>Front-End </a:t>
+          </a:r>
+          <a:r>
+            <a:rPr lang="en-US" sz="1100" kern="1200" noProof="0" dirty="0" smtClean="0"/>
+            <a:t>developer</a:t>
           </a:r>
           <a:endParaRPr lang="en-US" sz="1100" kern="1200" noProof="0" dirty="0"/>
         </a:p>
@@ -2617,12 +2640,12 @@
         <a:fontRef idx="minor"/>
       </dsp:style>
       <dsp:txBody>
-        <a:bodyPr spcFirstLastPara="0" vert="horz" wrap="square" lIns="38100" tIns="9525" rIns="38100" bIns="9525" numCol="1" spcCol="1270" anchor="ctr" anchorCtr="0">
+        <a:bodyPr spcFirstLastPara="0" vert="horz" wrap="square" lIns="22860" tIns="5715" rIns="22860" bIns="5715" numCol="1" spcCol="1270" anchor="ctr" anchorCtr="0">
           <a:noAutofit/>
         </a:bodyPr>
         <a:lstStyle/>
         <a:p>
-          <a:pPr lvl="0" algn="r" defTabSz="666750">
+          <a:pPr lvl="0" algn="r" defTabSz="400050">
             <a:lnSpc>
               <a:spcPct val="90000"/>
             </a:lnSpc>
@@ -2634,10 +2657,14 @@
             </a:spcAft>
           </a:pPr>
           <a:r>
-            <a:rPr lang="en-US" sz="1500" kern="1200" noProof="0" dirty="0" smtClean="0"/>
-            <a:t>SQL developer</a:t>
+            <a:rPr lang="en-US" sz="900" kern="1200" noProof="0" dirty="0" smtClean="0"/>
+            <a:t>SQL/Database </a:t>
           </a:r>
-          <a:endParaRPr lang="en-US" sz="1500" kern="1200" noProof="0" dirty="0"/>
+          <a:r>
+            <a:rPr lang="en-US" sz="900" kern="1200" noProof="0" dirty="0" smtClean="0"/>
+            <a:t>developer</a:t>
+          </a:r>
+          <a:endParaRPr lang="en-US" sz="900" kern="1200" noProof="0" dirty="0"/>
         </a:p>
       </dsp:txBody>
       <dsp:txXfrm>
@@ -5481,7 +5508,7 @@
           </a:ln>
           <a:extLst>
             <a:ext uri="{91240B29-F687-4f45-9708-019B960494DF}">
-              <a14:hiddenLine xmlns:a14="http://schemas.microsoft.com/office/drawing/2010/main" xmlns="" w="9525">
+              <a14:hiddenLine xmlns="" xmlns:a14="http://schemas.microsoft.com/office/drawing/2010/main" w="9525">
                 <a:solidFill>
                   <a:srgbClr val="000000"/>
                 </a:solidFill>
@@ -5536,7 +5563,7 @@
           </a:ln>
           <a:extLst>
             <a:ext uri="{91240B29-F687-4f45-9708-019B960494DF}">
-              <a14:hiddenLine xmlns:a14="http://schemas.microsoft.com/office/drawing/2010/main" xmlns="" w="9525">
+              <a14:hiddenLine xmlns="" xmlns:a14="http://schemas.microsoft.com/office/drawing/2010/main" w="9525">
                 <a:solidFill>
                   <a:srgbClr val="000000"/>
                 </a:solidFill>
@@ -11053,16 +11080,16 @@
           <a:lstStyle/>
           <a:p>
             <a:r>
+              <a:rPr lang="fr-FR" u="sng" dirty="0" err="1" smtClean="0"/>
+              <a:t>Webdev</a:t>
+            </a:r>
+            <a:r>
               <a:rPr lang="fr-FR" u="sng" dirty="0" smtClean="0"/>
-              <a:t>Web-</a:t>
-            </a:r>
-            <a:r>
-              <a:rPr lang="fr-FR" u="sng" dirty="0" err="1" smtClean="0"/>
-              <a:t>dev</a:t>
+              <a:t> </a:t>
             </a:r>
             <a:r>
               <a:rPr lang="fr-FR" u="sng" dirty="0" smtClean="0"/>
-              <a:t> project</a:t>
+              <a:t>project</a:t>
             </a:r>
             <a:br>
               <a:rPr lang="fr-FR" u="sng" dirty="0" smtClean="0"/>
@@ -11187,6 +11214,103 @@
       </p:grpSpPr>
       <p:sp>
         <p:nvSpPr>
+          <p:cNvPr id="6" name="Titre 5"/>
+          <p:cNvSpPr>
+            <a:spLocks noGrp="1"/>
+          </p:cNvSpPr>
+          <p:nvPr>
+            <p:ph type="title"/>
+          </p:nvPr>
+        </p:nvSpPr>
+        <p:spPr/>
+        <p:txBody>
+          <a:bodyPr/>
+          <a:lstStyle/>
+          <a:p>
+            <a:r>
+              <a:rPr lang="fr-FR" dirty="0" smtClean="0"/>
+              <a:t>Login/</a:t>
+            </a:r>
+            <a:r>
+              <a:rPr lang="fr-FR" dirty="0" err="1" smtClean="0"/>
+              <a:t>register</a:t>
+            </a:r>
+            <a:r>
+              <a:rPr lang="fr-FR" dirty="0" smtClean="0"/>
+              <a:t> </a:t>
+            </a:r>
+            <a:r>
+              <a:rPr lang="fr-FR" dirty="0" err="1" smtClean="0"/>
+              <a:t>view</a:t>
+            </a:r>
+            <a:r>
+              <a:rPr lang="fr-FR" dirty="0" smtClean="0"/>
+              <a:t>:</a:t>
+            </a:r>
+            <a:endParaRPr lang="fr-FR" dirty="0"/>
+          </a:p>
+        </p:txBody>
+      </p:sp>
+      <p:pic>
+        <p:nvPicPr>
+          <p:cNvPr id="8" name="Espace réservé du contenu 7"/>
+          <p:cNvPicPr>
+            <a:picLocks noGrp="1" noChangeAspect="1"/>
+          </p:cNvPicPr>
+          <p:nvPr>
+            <p:ph idx="1"/>
+          </p:nvPr>
+        </p:nvPicPr>
+        <p:blipFill rotWithShape="1">
+          <a:blip r:embed="rId2" cstate="print">
+            <a:extLst>
+              <a:ext uri="{28A0092B-C50C-407E-A947-70E740481C1C}">
+                <a14:useLocalDpi xmlns:a14="http://schemas.microsoft.com/office/drawing/2010/main" val="0"/>
+              </a:ext>
+            </a:extLst>
+          </a:blip>
+          <a:srcRect r="5681" b="-2289"/>
+          <a:stretch/>
+        </p:blipFill>
+        <p:spPr>
+          <a:xfrm>
+            <a:off x="899481" y="2438401"/>
+            <a:ext cx="7869970" cy="3222847"/>
+          </a:xfrm>
+        </p:spPr>
+      </p:pic>
+    </p:spTree>
+    <p:extLst>
+      <p:ext uri="{BB962C8B-B14F-4D97-AF65-F5344CB8AC3E}">
+        <p14:creationId xmlns:p14="http://schemas.microsoft.com/office/powerpoint/2010/main" val="2542732291"/>
+      </p:ext>
+    </p:extLst>
+  </p:cSld>
+  <p:clrMapOvr>
+    <a:masterClrMapping/>
+  </p:clrMapOvr>
+</p:sld>
+</file>
+
+<file path=ppt/slides/slide11.xml><?xml version="1.0" encoding="utf-8"?>
+<p:sld xmlns:a="http://schemas.openxmlformats.org/drawingml/2006/main" xmlns:r="http://schemas.openxmlformats.org/officeDocument/2006/relationships" xmlns:p="http://schemas.openxmlformats.org/presentationml/2006/main">
+  <p:cSld>
+    <p:spTree>
+      <p:nvGrpSpPr>
+        <p:cNvPr id="1" name=""/>
+        <p:cNvGrpSpPr/>
+        <p:nvPr/>
+      </p:nvGrpSpPr>
+      <p:grpSpPr>
+        <a:xfrm>
+          <a:off x="0" y="0"/>
+          <a:ext cx="0" cy="0"/>
+          <a:chOff x="0" y="0"/>
+          <a:chExt cx="0" cy="0"/>
+        </a:xfrm>
+      </p:grpSpPr>
+      <p:sp>
+        <p:nvSpPr>
           <p:cNvPr id="2" name="Titre 1"/>
           <p:cNvSpPr>
             <a:spLocks noGrp="1"/>
@@ -11201,16 +11325,183 @@
           <a:lstStyle/>
           <a:p>
             <a:r>
+              <a:rPr lang="fr-FR" dirty="0" err="1" smtClean="0"/>
+              <a:t>Products</a:t>
+            </a:r>
+            <a:r>
               <a:rPr lang="fr-FR" dirty="0" smtClean="0"/>
-              <a:t>Conclusion :</a:t>
+              <a:t> display:</a:t>
             </a:r>
             <a:endParaRPr lang="fr-FR" dirty="0"/>
+          </a:p>
+        </p:txBody>
+      </p:sp>
+      <p:pic>
+        <p:nvPicPr>
+          <p:cNvPr id="4" name="Espace réservé du contenu 3"/>
+          <p:cNvPicPr>
+            <a:picLocks noGrp="1" noChangeAspect="1"/>
+          </p:cNvPicPr>
+          <p:nvPr>
+            <p:ph idx="1"/>
+          </p:nvPr>
+        </p:nvPicPr>
+        <p:blipFill rotWithShape="1">
+          <a:blip r:embed="rId2" cstate="print">
+            <a:extLst>
+              <a:ext uri="{28A0092B-C50C-407E-A947-70E740481C1C}">
+                <a14:useLocalDpi xmlns:a14="http://schemas.microsoft.com/office/drawing/2010/main" val="0"/>
+              </a:ext>
+            </a:extLst>
+          </a:blip>
+          <a:srcRect r="6991" b="-102"/>
+          <a:stretch/>
+        </p:blipFill>
+        <p:spPr>
+          <a:xfrm>
+            <a:off x="913835" y="2438401"/>
+            <a:ext cx="7841262" cy="3366863"/>
+          </a:xfrm>
+        </p:spPr>
+      </p:pic>
+    </p:spTree>
+    <p:extLst>
+      <p:ext uri="{BB962C8B-B14F-4D97-AF65-F5344CB8AC3E}">
+        <p14:creationId xmlns:p14="http://schemas.microsoft.com/office/powerpoint/2010/main" val="1691659181"/>
+      </p:ext>
+    </p:extLst>
+  </p:cSld>
+  <p:clrMapOvr>
+    <a:masterClrMapping/>
+  </p:clrMapOvr>
+</p:sld>
+</file>
+
+<file path=ppt/slides/slide12.xml><?xml version="1.0" encoding="utf-8"?>
+<p:sld xmlns:a="http://schemas.openxmlformats.org/drawingml/2006/main" xmlns:r="http://schemas.openxmlformats.org/officeDocument/2006/relationships" xmlns:p="http://schemas.openxmlformats.org/presentationml/2006/main">
+  <p:cSld>
+    <p:spTree>
+      <p:nvGrpSpPr>
+        <p:cNvPr id="1" name=""/>
+        <p:cNvGrpSpPr/>
+        <p:nvPr/>
+      </p:nvGrpSpPr>
+      <p:grpSpPr>
+        <a:xfrm>
+          <a:off x="0" y="0"/>
+          <a:ext cx="0" cy="0"/>
+          <a:chOff x="0" y="0"/>
+          <a:chExt cx="0" cy="0"/>
+        </a:xfrm>
+      </p:grpSpPr>
+      <p:sp>
+        <p:nvSpPr>
+          <p:cNvPr id="2" name="Titre 1"/>
+          <p:cNvSpPr>
+            <a:spLocks noGrp="1"/>
+          </p:cNvSpPr>
+          <p:nvPr>
+            <p:ph type="title"/>
+          </p:nvPr>
+        </p:nvSpPr>
+        <p:spPr/>
+        <p:txBody>
+          <a:bodyPr/>
+          <a:lstStyle/>
+          <a:p>
+            <a:r>
+              <a:rPr lang="fr-FR" dirty="0" smtClean="0"/>
+              <a:t>MCD:</a:t>
+            </a:r>
+            <a:endParaRPr lang="fr-FR" dirty="0"/>
+          </a:p>
+        </p:txBody>
+      </p:sp>
+      <p:pic>
+        <p:nvPicPr>
+          <p:cNvPr id="4" name="Espace réservé du contenu 3"/>
+          <p:cNvPicPr>
+            <a:picLocks noGrp="1" noChangeAspect="1"/>
+          </p:cNvPicPr>
+          <p:nvPr>
+            <p:ph idx="1"/>
+          </p:nvPr>
+        </p:nvPicPr>
+        <p:blipFill>
+          <a:blip r:embed="rId2">
+            <a:extLst>
+              <a:ext uri="{28A0092B-C50C-407E-A947-70E740481C1C}">
+                <a14:useLocalDpi xmlns:a14="http://schemas.microsoft.com/office/drawing/2010/main" val="0"/>
+              </a:ext>
+            </a:extLst>
+          </a:blip>
+          <a:stretch>
+            <a:fillRect/>
+          </a:stretch>
+        </p:blipFill>
+        <p:spPr>
+          <a:xfrm>
+            <a:off x="395536" y="2060848"/>
+            <a:ext cx="8623413" cy="3649514"/>
+          </a:xfrm>
+        </p:spPr>
+      </p:pic>
+    </p:spTree>
+    <p:extLst>
+      <p:ext uri="{BB962C8B-B14F-4D97-AF65-F5344CB8AC3E}">
+        <p14:creationId xmlns:p14="http://schemas.microsoft.com/office/powerpoint/2010/main" val="1389133009"/>
+      </p:ext>
+    </p:extLst>
+  </p:cSld>
+  <p:clrMapOvr>
+    <a:masterClrMapping/>
+  </p:clrMapOvr>
+</p:sld>
+</file>
+
+<file path=ppt/slides/slide13.xml><?xml version="1.0" encoding="utf-8"?>
+<p:sld xmlns:a="http://schemas.openxmlformats.org/drawingml/2006/main" xmlns:r="http://schemas.openxmlformats.org/officeDocument/2006/relationships" xmlns:p="http://schemas.openxmlformats.org/presentationml/2006/main">
+  <p:cSld>
+    <p:spTree>
+      <p:nvGrpSpPr>
+        <p:cNvPr id="1" name=""/>
+        <p:cNvGrpSpPr/>
+        <p:nvPr/>
+      </p:nvGrpSpPr>
+      <p:grpSpPr>
+        <a:xfrm>
+          <a:off x="0" y="0"/>
+          <a:ext cx="0" cy="0"/>
+          <a:chOff x="0" y="0"/>
+          <a:chExt cx="0" cy="0"/>
+        </a:xfrm>
+      </p:grpSpPr>
+      <p:sp>
+        <p:nvSpPr>
+          <p:cNvPr id="2" name="Titre 1"/>
+          <p:cNvSpPr>
+            <a:spLocks noGrp="1"/>
+          </p:cNvSpPr>
+          <p:nvPr>
+            <p:ph type="title"/>
+          </p:nvPr>
+        </p:nvSpPr>
+        <p:spPr/>
+        <p:txBody>
+          <a:bodyPr/>
+          <a:lstStyle/>
+          <a:p>
+            <a:r>
+              <a:rPr lang="en-US" dirty="0" smtClean="0"/>
+              <a:t>Conclusion:</a:t>
+            </a:r>
+            <a:endParaRPr lang="en-US" dirty="0"/>
           </a:p>
         </p:txBody>
       </p:sp>
       <p:sp>
         <p:nvSpPr>
-          <p:cNvPr id="3" name="Espace réservé du contenu 2"/>
+          <p:cNvPr id="12" name="Espace réservé du contenu 11"/>
           <p:cNvSpPr>
             <a:spLocks noGrp="1"/>
           </p:cNvSpPr>
@@ -11218,12 +11509,59 @@
             <p:ph idx="1"/>
           </p:nvPr>
         </p:nvSpPr>
-        <p:spPr/>
+        <p:spPr>
+          <a:xfrm>
+            <a:off x="982132" y="2276872"/>
+            <a:ext cx="7704667" cy="3332816"/>
+          </a:xfrm>
+        </p:spPr>
         <p:txBody>
-          <a:bodyPr/>
+          <a:bodyPr anchor="t"/>
           <a:lstStyle/>
           <a:p>
-            <a:endParaRPr lang="fr-FR"/>
+            <a:pPr marL="0" indent="0" algn="ctr">
+              <a:buNone/>
+            </a:pPr>
+            <a:r>
+              <a:rPr lang="en-US" sz="3200" dirty="0" smtClean="0">
+                <a:solidFill>
+                  <a:srgbClr val="0070C0"/>
+                </a:solidFill>
+              </a:rPr>
+              <a:t>Deviations:</a:t>
+            </a:r>
+          </a:p>
+          <a:p>
+            <a:r>
+              <a:rPr lang="en-US" dirty="0" smtClean="0"/>
+              <a:t>Displaying </a:t>
+            </a:r>
+            <a:r>
+              <a:rPr lang="en-US" dirty="0"/>
+              <a:t>products</a:t>
+            </a:r>
+          </a:p>
+          <a:p>
+            <a:r>
+              <a:rPr lang="en-US" dirty="0"/>
+              <a:t>Payment </a:t>
+            </a:r>
+            <a:r>
+              <a:rPr lang="en-US" dirty="0" smtClean="0"/>
+              <a:t>process</a:t>
+            </a:r>
+          </a:p>
+          <a:p>
+            <a:r>
+              <a:rPr lang="en-US" dirty="0" smtClean="0"/>
+              <a:t>Missing dynamic HTML</a:t>
+            </a:r>
+          </a:p>
+          <a:p>
+            <a:endParaRPr lang="en-US" dirty="0"/>
+          </a:p>
+          <a:p>
+            <a:endParaRPr lang="fr-FR" dirty="0"/>
           </a:p>
         </p:txBody>
       </p:sp>
@@ -11240,7 +11578,7 @@
 </p:sld>
 </file>
 
-<file path=ppt/slides/slide11.xml><?xml version="1.0" encoding="utf-8"?>
+<file path=ppt/slides/slide14.xml><?xml version="1.0" encoding="utf-8"?>
 <p:sld xmlns:a="http://schemas.openxmlformats.org/drawingml/2006/main" xmlns:r="http://schemas.openxmlformats.org/officeDocument/2006/relationships" xmlns:p="http://schemas.openxmlformats.org/presentationml/2006/main">
   <p:cSld>
     <p:spTree>
@@ -11458,7 +11796,7 @@
           <a:p>
             <a:r>
               <a:rPr lang="fr-FR" dirty="0" smtClean="0"/>
-              <a:t>Introduction :</a:t>
+              <a:t>Introduction:</a:t>
             </a:r>
             <a:endParaRPr lang="fr-FR" dirty="0"/>
           </a:p>
@@ -11474,7 +11812,12 @@
             <p:ph idx="1"/>
           </p:nvPr>
         </p:nvSpPr>
-        <p:spPr/>
+        <p:spPr>
+          <a:xfrm>
+            <a:off x="899592" y="1988840"/>
+            <a:ext cx="7704667" cy="3332816"/>
+          </a:xfrm>
+        </p:spPr>
         <p:txBody>
           <a:bodyPr anchor="ctr"/>
           <a:lstStyle/>
@@ -11557,7 +11900,7 @@
           <a:p>
             <a:r>
               <a:rPr lang="en-US" dirty="0" smtClean="0"/>
-              <a:t>Specs :</a:t>
+              <a:t>Specs:</a:t>
             </a:r>
             <a:endParaRPr lang="en-US" dirty="0"/>
           </a:p>
@@ -11592,11 +11935,7 @@
             </a:r>
             <a:r>
               <a:rPr lang="en-US" dirty="0" smtClean="0"/>
-              <a:t>asket </a:t>
-            </a:r>
-            <a:r>
-              <a:rPr lang="en-US" dirty="0" smtClean="0"/>
-              <a:t>for storing chosen products</a:t>
+              <a:t>asket for storing chosen products</a:t>
             </a:r>
           </a:p>
           <a:p>
@@ -11604,7 +11943,6 @@
               <a:rPr lang="en-US" dirty="0" smtClean="0"/>
               <a:t>Searching function</a:t>
             </a:r>
-            <a:endParaRPr lang="en-US" dirty="0" smtClean="0"/>
           </a:p>
           <a:p>
             <a:r>
@@ -11617,7 +11955,6 @@
               <a:rPr lang="en-US" dirty="0" smtClean="0"/>
               <a:t>Using PDO and MVC model</a:t>
             </a:r>
-            <a:endParaRPr lang="en-US" dirty="0" smtClean="0"/>
           </a:p>
           <a:p>
             <a:r>
@@ -11630,7 +11967,6 @@
               <a:rPr lang="en-US" dirty="0" smtClean="0"/>
               <a:t>Responsive designed website</a:t>
             </a:r>
-            <a:endParaRPr lang="en-US" dirty="0" smtClean="0"/>
           </a:p>
           <a:p>
             <a:r>
@@ -11691,7 +12027,7 @@
           <a:p>
             <a:r>
               <a:rPr lang="en-US" dirty="0" smtClean="0"/>
-              <a:t>Organization :</a:t>
+              <a:t>Organization:</a:t>
             </a:r>
             <a:endParaRPr lang="en-US" dirty="0"/>
           </a:p>
@@ -11707,13 +12043,13 @@
             <p:ph idx="1"/>
             <p:extLst>
               <p:ext uri="{D42A27DB-BD31-4B8C-83A1-F6EECF244321}">
-                <p14:modId xmlns:p14="http://schemas.microsoft.com/office/powerpoint/2010/main" val="1912657430"/>
+                <p14:modId xmlns:p14="http://schemas.microsoft.com/office/powerpoint/2010/main" val="2855058849"/>
               </p:ext>
             </p:extLst>
           </p:nvPr>
         </p:nvGraphicFramePr>
         <p:xfrm>
-          <a:off x="982663" y="2667000"/>
+          <a:off x="979136" y="2276872"/>
           <a:ext cx="7704137" cy="3332163"/>
         </p:xfrm>
         <a:graphic>
@@ -11743,6 +12079,1311 @@
 </file>
 
 <file path=ppt/slides/slide6.xml><?xml version="1.0" encoding="utf-8"?>
+<p:sld xmlns:a="http://schemas.openxmlformats.org/drawingml/2006/main" xmlns:r="http://schemas.openxmlformats.org/officeDocument/2006/relationships" xmlns:p="http://schemas.openxmlformats.org/presentationml/2006/main">
+  <p:cSld>
+    <p:spTree>
+      <p:nvGrpSpPr>
+        <p:cNvPr id="1" name=""/>
+        <p:cNvGrpSpPr/>
+        <p:nvPr/>
+      </p:nvGrpSpPr>
+      <p:grpSpPr>
+        <a:xfrm>
+          <a:off x="0" y="0"/>
+          <a:ext cx="0" cy="0"/>
+          <a:chOff x="0" y="0"/>
+          <a:chExt cx="0" cy="0"/>
+        </a:xfrm>
+      </p:grpSpPr>
+      <p:sp>
+        <p:nvSpPr>
+          <p:cNvPr id="2" name="Titre 1"/>
+          <p:cNvSpPr>
+            <a:spLocks noGrp="1"/>
+          </p:cNvSpPr>
+          <p:nvPr>
+            <p:ph type="title"/>
+          </p:nvPr>
+        </p:nvSpPr>
+        <p:spPr/>
+        <p:txBody>
+          <a:bodyPr/>
+          <a:lstStyle/>
+          <a:p>
+            <a:r>
+              <a:rPr lang="en-US" dirty="0" smtClean="0"/>
+              <a:t>Organization:</a:t>
+            </a:r>
+            <a:endParaRPr lang="en-US" dirty="0"/>
+          </a:p>
+        </p:txBody>
+      </p:sp>
+      <p:sp>
+        <p:nvSpPr>
+          <p:cNvPr id="4" name="Espace réservé du texte 3"/>
+          <p:cNvSpPr>
+            <a:spLocks noGrp="1"/>
+          </p:cNvSpPr>
+          <p:nvPr>
+            <p:ph type="body" idx="1"/>
+          </p:nvPr>
+        </p:nvSpPr>
+        <p:spPr>
+          <a:xfrm>
+            <a:off x="868548" y="2051785"/>
+            <a:ext cx="1783240" cy="576262"/>
+          </a:xfrm>
+        </p:spPr>
+        <p:txBody>
+          <a:bodyPr/>
+          <a:lstStyle/>
+          <a:p>
+            <a:pPr algn="ctr"/>
+            <a:r>
+              <a:rPr lang="en-US" sz="2000" dirty="0" smtClean="0"/>
+              <a:t>Front-End </a:t>
+            </a:r>
+            <a:endParaRPr lang="en-US" sz="2000" dirty="0"/>
+          </a:p>
+        </p:txBody>
+      </p:sp>
+      <p:sp>
+        <p:nvSpPr>
+          <p:cNvPr id="5" name="Espace réservé du contenu 4"/>
+          <p:cNvSpPr>
+            <a:spLocks noGrp="1"/>
+          </p:cNvSpPr>
+          <p:nvPr>
+            <p:ph sz="half" idx="2"/>
+          </p:nvPr>
+        </p:nvSpPr>
+        <p:spPr>
+          <a:xfrm>
+            <a:off x="714557" y="2792618"/>
+            <a:ext cx="1918990" cy="2665259"/>
+          </a:xfrm>
+          <a:ln>
+            <a:solidFill>
+              <a:schemeClr val="tx1"/>
+            </a:solidFill>
+          </a:ln>
+        </p:spPr>
+        <p:txBody>
+          <a:bodyPr>
+            <a:normAutofit/>
+          </a:bodyPr>
+          <a:lstStyle/>
+          <a:p>
+            <a:r>
+              <a:rPr lang="en-US" sz="2000" dirty="0" smtClean="0"/>
+              <a:t>Functions:</a:t>
+            </a:r>
+          </a:p>
+          <a:p>
+            <a:r>
+              <a:rPr lang="en-US" sz="1400" dirty="0" smtClean="0"/>
+              <a:t>Register</a:t>
+            </a:r>
+          </a:p>
+          <a:p>
+            <a:r>
+              <a:rPr lang="en-US" sz="1400" dirty="0" smtClean="0"/>
+              <a:t>Connection</a:t>
+            </a:r>
+          </a:p>
+          <a:p>
+            <a:r>
+              <a:rPr lang="en-US" sz="1400" dirty="0" smtClean="0"/>
+              <a:t>Basket</a:t>
+            </a:r>
+          </a:p>
+          <a:p>
+            <a:r>
+              <a:rPr lang="en-US" sz="1400" dirty="0" smtClean="0"/>
+              <a:t>Payment</a:t>
+            </a:r>
+          </a:p>
+          <a:p>
+            <a:endParaRPr lang="en-US" dirty="0" smtClean="0"/>
+          </a:p>
+          <a:p>
+            <a:endParaRPr lang="en-US" dirty="0"/>
+          </a:p>
+        </p:txBody>
+      </p:sp>
+      <p:sp>
+        <p:nvSpPr>
+          <p:cNvPr id="6" name="Espace réservé du texte 5"/>
+          <p:cNvSpPr>
+            <a:spLocks noGrp="1"/>
+          </p:cNvSpPr>
+          <p:nvPr>
+            <p:ph type="body" sz="quarter" idx="3"/>
+          </p:nvPr>
+        </p:nvSpPr>
+        <p:spPr>
+          <a:xfrm>
+            <a:off x="2957265" y="2051785"/>
+            <a:ext cx="1789181" cy="576262"/>
+          </a:xfrm>
+        </p:spPr>
+        <p:txBody>
+          <a:bodyPr/>
+          <a:lstStyle/>
+          <a:p>
+            <a:pPr algn="ctr"/>
+            <a:r>
+              <a:rPr lang="en-US" sz="2000" dirty="0" smtClean="0"/>
+              <a:t>Back-End</a:t>
+            </a:r>
+            <a:endParaRPr lang="en-US" sz="2000" dirty="0"/>
+          </a:p>
+        </p:txBody>
+      </p:sp>
+      <p:sp>
+        <p:nvSpPr>
+          <p:cNvPr id="7" name="Espace réservé du contenu 6"/>
+          <p:cNvSpPr>
+            <a:spLocks noGrp="1"/>
+          </p:cNvSpPr>
+          <p:nvPr>
+            <p:ph sz="quarter" idx="4"/>
+          </p:nvPr>
+        </p:nvSpPr>
+        <p:spPr>
+          <a:xfrm>
+            <a:off x="2816462" y="2784151"/>
+            <a:ext cx="1918990" cy="2665259"/>
+          </a:xfrm>
+          <a:ln>
+            <a:solidFill>
+              <a:schemeClr val="tx1"/>
+            </a:solidFill>
+          </a:ln>
+        </p:spPr>
+        <p:txBody>
+          <a:bodyPr>
+            <a:normAutofit/>
+          </a:bodyPr>
+          <a:lstStyle/>
+          <a:p>
+            <a:r>
+              <a:rPr lang="en-US" sz="2000" dirty="0" smtClean="0"/>
+              <a:t>Functions:</a:t>
+            </a:r>
+          </a:p>
+          <a:p>
+            <a:r>
+              <a:rPr lang="en-US" sz="1400" dirty="0" smtClean="0"/>
+              <a:t>Manage orders</a:t>
+            </a:r>
+          </a:p>
+          <a:p>
+            <a:r>
+              <a:rPr lang="en-US" sz="1400" dirty="0" smtClean="0"/>
+              <a:t>Manage</a:t>
+            </a:r>
+            <a:r>
+              <a:rPr lang="en-US" sz="1400" dirty="0"/>
+              <a:t> </a:t>
+            </a:r>
+            <a:r>
+              <a:rPr lang="en-US" sz="1400" dirty="0" smtClean="0"/>
+              <a:t>customers</a:t>
+            </a:r>
+          </a:p>
+          <a:p>
+            <a:r>
+              <a:rPr lang="en-US" sz="1400" dirty="0" smtClean="0"/>
+              <a:t>Manage catalog</a:t>
+            </a:r>
+          </a:p>
+        </p:txBody>
+      </p:sp>
+      <p:sp>
+        <p:nvSpPr>
+          <p:cNvPr id="12" name="Espace réservé du texte 5"/>
+          <p:cNvSpPr txBox="1">
+            <a:spLocks/>
+          </p:cNvSpPr>
+          <p:nvPr/>
+        </p:nvSpPr>
+        <p:spPr>
+          <a:xfrm>
+            <a:off x="5053673" y="2051785"/>
+            <a:ext cx="1789181" cy="576262"/>
+          </a:xfrm>
+          <a:prstGeom prst="rect">
+            <a:avLst/>
+          </a:prstGeom>
+        </p:spPr>
+        <p:txBody>
+          <a:bodyPr vert="horz" lIns="91440" tIns="45720" rIns="91440" bIns="45720" rtlCol="0" anchor="b">
+            <a:noAutofit/>
+          </a:bodyPr>
+          <a:lstStyle>
+            <a:lvl1pPr marL="0" indent="0" algn="l" defTabSz="457200" rtl="0" eaLnBrk="1" latinLnBrk="0" hangingPunct="1">
+              <a:spcBef>
+                <a:spcPct val="20000"/>
+              </a:spcBef>
+              <a:spcAft>
+                <a:spcPts val="600"/>
+              </a:spcAft>
+              <a:buClr>
+                <a:schemeClr val="accent1">
+                  <a:lumMod val="75000"/>
+                </a:schemeClr>
+              </a:buClr>
+              <a:buSzPct val="145000"/>
+              <a:buFont typeface="Arial"/>
+              <a:buNone/>
+              <a:defRPr sz="2800" b="0" kern="1200" cap="none">
+                <a:solidFill>
+                  <a:schemeClr val="accent1">
+                    <a:lumMod val="75000"/>
+                  </a:schemeClr>
+                </a:solidFill>
+                <a:effectLst/>
+                <a:latin typeface="+mn-lt"/>
+                <a:ea typeface="+mn-ea"/>
+                <a:cs typeface="+mn-cs"/>
+              </a:defRPr>
+            </a:lvl1pPr>
+            <a:lvl2pPr marL="457200" indent="0" algn="l" defTabSz="457200" rtl="0" eaLnBrk="1" latinLnBrk="0" hangingPunct="1">
+              <a:spcBef>
+                <a:spcPct val="20000"/>
+              </a:spcBef>
+              <a:spcAft>
+                <a:spcPts val="600"/>
+              </a:spcAft>
+              <a:buClr>
+                <a:schemeClr val="accent1">
+                  <a:lumMod val="75000"/>
+                </a:schemeClr>
+              </a:buClr>
+              <a:buSzPct val="145000"/>
+              <a:buFont typeface="Arial"/>
+              <a:buNone/>
+              <a:defRPr sz="2000" b="1" kern="1200" cap="none">
+                <a:solidFill>
+                  <a:schemeClr val="tx1"/>
+                </a:solidFill>
+                <a:effectLst/>
+                <a:latin typeface="+mn-lt"/>
+                <a:ea typeface="+mn-ea"/>
+                <a:cs typeface="+mn-cs"/>
+              </a:defRPr>
+            </a:lvl2pPr>
+            <a:lvl3pPr marL="914400" indent="0" algn="l" defTabSz="457200" rtl="0" eaLnBrk="1" latinLnBrk="0" hangingPunct="1">
+              <a:spcBef>
+                <a:spcPct val="20000"/>
+              </a:spcBef>
+              <a:spcAft>
+                <a:spcPts val="600"/>
+              </a:spcAft>
+              <a:buClr>
+                <a:schemeClr val="accent1">
+                  <a:lumMod val="75000"/>
+                </a:schemeClr>
+              </a:buClr>
+              <a:buSzPct val="145000"/>
+              <a:buFont typeface="Arial"/>
+              <a:buNone/>
+              <a:defRPr sz="1800" b="1" kern="1200" cap="none">
+                <a:solidFill>
+                  <a:schemeClr val="tx1"/>
+                </a:solidFill>
+                <a:effectLst/>
+                <a:latin typeface="+mn-lt"/>
+                <a:ea typeface="+mn-ea"/>
+                <a:cs typeface="+mn-cs"/>
+              </a:defRPr>
+            </a:lvl3pPr>
+            <a:lvl4pPr marL="1371600" indent="0" algn="l" defTabSz="457200" rtl="0" eaLnBrk="1" latinLnBrk="0" hangingPunct="1">
+              <a:spcBef>
+                <a:spcPct val="20000"/>
+              </a:spcBef>
+              <a:spcAft>
+                <a:spcPts val="600"/>
+              </a:spcAft>
+              <a:buClr>
+                <a:schemeClr val="accent1">
+                  <a:lumMod val="75000"/>
+                </a:schemeClr>
+              </a:buClr>
+              <a:buSzPct val="145000"/>
+              <a:buFont typeface="Arial"/>
+              <a:buNone/>
+              <a:defRPr sz="1600" b="1" kern="1200" cap="none">
+                <a:solidFill>
+                  <a:schemeClr val="tx1"/>
+                </a:solidFill>
+                <a:effectLst/>
+                <a:latin typeface="+mn-lt"/>
+                <a:ea typeface="+mn-ea"/>
+                <a:cs typeface="+mn-cs"/>
+              </a:defRPr>
+            </a:lvl4pPr>
+            <a:lvl5pPr marL="1828800" indent="0" algn="l" defTabSz="457200" rtl="0" eaLnBrk="1" latinLnBrk="0" hangingPunct="1">
+              <a:spcBef>
+                <a:spcPct val="20000"/>
+              </a:spcBef>
+              <a:spcAft>
+                <a:spcPts val="600"/>
+              </a:spcAft>
+              <a:buClr>
+                <a:schemeClr val="accent1">
+                  <a:lumMod val="75000"/>
+                </a:schemeClr>
+              </a:buClr>
+              <a:buSzPct val="145000"/>
+              <a:buFont typeface="Arial"/>
+              <a:buNone/>
+              <a:defRPr sz="1600" b="1" kern="1200" cap="none">
+                <a:solidFill>
+                  <a:schemeClr val="tx1"/>
+                </a:solidFill>
+                <a:effectLst/>
+                <a:latin typeface="+mn-lt"/>
+                <a:ea typeface="+mn-ea"/>
+                <a:cs typeface="+mn-cs"/>
+              </a:defRPr>
+            </a:lvl5pPr>
+            <a:lvl6pPr marL="2286000" indent="0" algn="l" defTabSz="457200" rtl="0" eaLnBrk="1" latinLnBrk="0" hangingPunct="1">
+              <a:spcBef>
+                <a:spcPct val="20000"/>
+              </a:spcBef>
+              <a:spcAft>
+                <a:spcPts val="600"/>
+              </a:spcAft>
+              <a:buClr>
+                <a:schemeClr val="accent1">
+                  <a:lumMod val="75000"/>
+                </a:schemeClr>
+              </a:buClr>
+              <a:buSzPct val="145000"/>
+              <a:buFont typeface="Arial"/>
+              <a:buNone/>
+              <a:defRPr sz="1600" b="1" kern="1200" cap="none">
+                <a:solidFill>
+                  <a:schemeClr val="tx1"/>
+                </a:solidFill>
+                <a:effectLst/>
+                <a:latin typeface="+mn-lt"/>
+                <a:ea typeface="+mn-ea"/>
+                <a:cs typeface="+mn-cs"/>
+              </a:defRPr>
+            </a:lvl6pPr>
+            <a:lvl7pPr marL="2743200" indent="0" algn="l" defTabSz="457200" rtl="0" eaLnBrk="1" latinLnBrk="0" hangingPunct="1">
+              <a:spcBef>
+                <a:spcPct val="20000"/>
+              </a:spcBef>
+              <a:spcAft>
+                <a:spcPts val="600"/>
+              </a:spcAft>
+              <a:buClr>
+                <a:schemeClr val="accent1">
+                  <a:lumMod val="75000"/>
+                </a:schemeClr>
+              </a:buClr>
+              <a:buSzPct val="145000"/>
+              <a:buFont typeface="Arial"/>
+              <a:buNone/>
+              <a:defRPr sz="1600" b="1" kern="1200" cap="none">
+                <a:solidFill>
+                  <a:schemeClr val="tx1"/>
+                </a:solidFill>
+                <a:effectLst/>
+                <a:latin typeface="+mn-lt"/>
+                <a:ea typeface="+mn-ea"/>
+                <a:cs typeface="+mn-cs"/>
+              </a:defRPr>
+            </a:lvl7pPr>
+            <a:lvl8pPr marL="3200400" indent="0" algn="l" defTabSz="457200" rtl="0" eaLnBrk="1" latinLnBrk="0" hangingPunct="1">
+              <a:spcBef>
+                <a:spcPct val="20000"/>
+              </a:spcBef>
+              <a:spcAft>
+                <a:spcPts val="600"/>
+              </a:spcAft>
+              <a:buClr>
+                <a:schemeClr val="accent1">
+                  <a:lumMod val="75000"/>
+                </a:schemeClr>
+              </a:buClr>
+              <a:buSzPct val="145000"/>
+              <a:buFont typeface="Arial"/>
+              <a:buNone/>
+              <a:defRPr sz="1600" b="1" kern="1200" cap="none">
+                <a:solidFill>
+                  <a:schemeClr val="tx1"/>
+                </a:solidFill>
+                <a:effectLst/>
+                <a:latin typeface="+mn-lt"/>
+                <a:ea typeface="+mn-ea"/>
+                <a:cs typeface="+mn-cs"/>
+              </a:defRPr>
+            </a:lvl8pPr>
+            <a:lvl9pPr marL="3657600" indent="0" algn="l" defTabSz="457200" rtl="0" eaLnBrk="1" latinLnBrk="0" hangingPunct="1">
+              <a:spcBef>
+                <a:spcPct val="20000"/>
+              </a:spcBef>
+              <a:spcAft>
+                <a:spcPts val="600"/>
+              </a:spcAft>
+              <a:buClr>
+                <a:schemeClr val="accent1">
+                  <a:lumMod val="75000"/>
+                </a:schemeClr>
+              </a:buClr>
+              <a:buSzPct val="145000"/>
+              <a:buFont typeface="Arial"/>
+              <a:buNone/>
+              <a:defRPr sz="1600" b="1" kern="1200" cap="none">
+                <a:solidFill>
+                  <a:schemeClr val="tx1"/>
+                </a:solidFill>
+                <a:effectLst/>
+                <a:latin typeface="+mn-lt"/>
+                <a:ea typeface="+mn-ea"/>
+                <a:cs typeface="+mn-cs"/>
+              </a:defRPr>
+            </a:lvl9pPr>
+          </a:lstStyle>
+          <a:p>
+            <a:pPr algn="ctr"/>
+            <a:r>
+              <a:rPr lang="en-US" sz="2000" dirty="0" smtClean="0"/>
+              <a:t>HTML/CSS</a:t>
+            </a:r>
+            <a:endParaRPr lang="en-US" sz="2000" dirty="0"/>
+          </a:p>
+        </p:txBody>
+      </p:sp>
+      <p:sp>
+        <p:nvSpPr>
+          <p:cNvPr id="13" name="Espace réservé du contenu 6"/>
+          <p:cNvSpPr txBox="1">
+            <a:spLocks/>
+          </p:cNvSpPr>
+          <p:nvPr/>
+        </p:nvSpPr>
+        <p:spPr>
+          <a:xfrm>
+            <a:off x="4918367" y="2784151"/>
+            <a:ext cx="1918990" cy="2665259"/>
+          </a:xfrm>
+          <a:prstGeom prst="rect">
+            <a:avLst/>
+          </a:prstGeom>
+          <a:ln>
+            <a:solidFill>
+              <a:schemeClr val="tx1"/>
+            </a:solidFill>
+          </a:ln>
+        </p:spPr>
+        <p:txBody>
+          <a:bodyPr vert="horz" lIns="91440" tIns="45720" rIns="91440" bIns="45720" rtlCol="0" anchor="t">
+            <a:normAutofit/>
+          </a:bodyPr>
+          <a:lstStyle>
+            <a:lvl1pPr marL="285750" indent="-285750" algn="l" defTabSz="457200" rtl="0" eaLnBrk="1" latinLnBrk="0" hangingPunct="1">
+              <a:spcBef>
+                <a:spcPct val="20000"/>
+              </a:spcBef>
+              <a:spcAft>
+                <a:spcPts val="600"/>
+              </a:spcAft>
+              <a:buClr>
+                <a:schemeClr val="accent1">
+                  <a:lumMod val="75000"/>
+                </a:schemeClr>
+              </a:buClr>
+              <a:buSzPct val="145000"/>
+              <a:buFont typeface="Arial"/>
+              <a:buChar char="•"/>
+              <a:defRPr sz="1800" kern="1200" cap="none">
+                <a:solidFill>
+                  <a:schemeClr val="tx1"/>
+                </a:solidFill>
+                <a:effectLst/>
+                <a:latin typeface="+mn-lt"/>
+                <a:ea typeface="+mn-ea"/>
+                <a:cs typeface="+mn-cs"/>
+              </a:defRPr>
+            </a:lvl1pPr>
+            <a:lvl2pPr marL="742950" indent="-285750" algn="l" defTabSz="457200" rtl="0" eaLnBrk="1" latinLnBrk="0" hangingPunct="1">
+              <a:spcBef>
+                <a:spcPct val="20000"/>
+              </a:spcBef>
+              <a:spcAft>
+                <a:spcPts val="600"/>
+              </a:spcAft>
+              <a:buClr>
+                <a:schemeClr val="accent1">
+                  <a:lumMod val="75000"/>
+                </a:schemeClr>
+              </a:buClr>
+              <a:buSzPct val="145000"/>
+              <a:buFont typeface="Arial"/>
+              <a:buChar char="•"/>
+              <a:defRPr sz="1600" kern="1200" cap="none">
+                <a:solidFill>
+                  <a:schemeClr val="tx1"/>
+                </a:solidFill>
+                <a:effectLst/>
+                <a:latin typeface="+mn-lt"/>
+                <a:ea typeface="+mn-ea"/>
+                <a:cs typeface="+mn-cs"/>
+              </a:defRPr>
+            </a:lvl2pPr>
+            <a:lvl3pPr marL="1200150" indent="-285750" algn="l" defTabSz="457200" rtl="0" eaLnBrk="1" latinLnBrk="0" hangingPunct="1">
+              <a:spcBef>
+                <a:spcPct val="20000"/>
+              </a:spcBef>
+              <a:spcAft>
+                <a:spcPts val="600"/>
+              </a:spcAft>
+              <a:buClr>
+                <a:schemeClr val="accent1">
+                  <a:lumMod val="75000"/>
+                </a:schemeClr>
+              </a:buClr>
+              <a:buSzPct val="145000"/>
+              <a:buFont typeface="Arial"/>
+              <a:buChar char="•"/>
+              <a:defRPr sz="1400" kern="1200" cap="none">
+                <a:solidFill>
+                  <a:schemeClr val="tx1"/>
+                </a:solidFill>
+                <a:effectLst/>
+                <a:latin typeface="+mn-lt"/>
+                <a:ea typeface="+mn-ea"/>
+                <a:cs typeface="+mn-cs"/>
+              </a:defRPr>
+            </a:lvl3pPr>
+            <a:lvl4pPr marL="1543050" indent="-171450" algn="l" defTabSz="457200" rtl="0" eaLnBrk="1" latinLnBrk="0" hangingPunct="1">
+              <a:spcBef>
+                <a:spcPct val="20000"/>
+              </a:spcBef>
+              <a:spcAft>
+                <a:spcPts val="600"/>
+              </a:spcAft>
+              <a:buClr>
+                <a:schemeClr val="accent1">
+                  <a:lumMod val="75000"/>
+                </a:schemeClr>
+              </a:buClr>
+              <a:buSzPct val="145000"/>
+              <a:buFont typeface="Arial"/>
+              <a:buChar char="•"/>
+              <a:defRPr sz="1200" kern="1200" cap="none">
+                <a:solidFill>
+                  <a:schemeClr val="tx1"/>
+                </a:solidFill>
+                <a:effectLst/>
+                <a:latin typeface="+mn-lt"/>
+                <a:ea typeface="+mn-ea"/>
+                <a:cs typeface="+mn-cs"/>
+              </a:defRPr>
+            </a:lvl4pPr>
+            <a:lvl5pPr marL="2000250" indent="-171450" algn="l" defTabSz="457200" rtl="0" eaLnBrk="1" latinLnBrk="0" hangingPunct="1">
+              <a:spcBef>
+                <a:spcPct val="20000"/>
+              </a:spcBef>
+              <a:spcAft>
+                <a:spcPts val="600"/>
+              </a:spcAft>
+              <a:buClr>
+                <a:schemeClr val="accent1">
+                  <a:lumMod val="75000"/>
+                </a:schemeClr>
+              </a:buClr>
+              <a:buSzPct val="145000"/>
+              <a:buFont typeface="Arial"/>
+              <a:buChar char="•"/>
+              <a:defRPr sz="1200" kern="1200" cap="none">
+                <a:solidFill>
+                  <a:schemeClr val="tx1"/>
+                </a:solidFill>
+                <a:effectLst/>
+                <a:latin typeface="+mn-lt"/>
+                <a:ea typeface="+mn-ea"/>
+                <a:cs typeface="+mn-cs"/>
+              </a:defRPr>
+            </a:lvl5pPr>
+            <a:lvl6pPr marL="2514600" indent="-228600" algn="l" defTabSz="457200" rtl="0" eaLnBrk="1" latinLnBrk="0" hangingPunct="1">
+              <a:spcBef>
+                <a:spcPct val="20000"/>
+              </a:spcBef>
+              <a:spcAft>
+                <a:spcPts val="600"/>
+              </a:spcAft>
+              <a:buClr>
+                <a:schemeClr val="accent1">
+                  <a:lumMod val="75000"/>
+                </a:schemeClr>
+              </a:buClr>
+              <a:buSzPct val="145000"/>
+              <a:buFont typeface="Arial"/>
+              <a:buChar char="•"/>
+              <a:defRPr sz="1200" kern="1200" cap="none">
+                <a:solidFill>
+                  <a:schemeClr val="tx1"/>
+                </a:solidFill>
+                <a:effectLst/>
+                <a:latin typeface="+mn-lt"/>
+                <a:ea typeface="+mn-ea"/>
+                <a:cs typeface="+mn-cs"/>
+              </a:defRPr>
+            </a:lvl6pPr>
+            <a:lvl7pPr marL="2971800" indent="-228600" algn="l" defTabSz="457200" rtl="0" eaLnBrk="1" latinLnBrk="0" hangingPunct="1">
+              <a:spcBef>
+                <a:spcPct val="20000"/>
+              </a:spcBef>
+              <a:spcAft>
+                <a:spcPts val="600"/>
+              </a:spcAft>
+              <a:buClr>
+                <a:schemeClr val="accent1">
+                  <a:lumMod val="75000"/>
+                </a:schemeClr>
+              </a:buClr>
+              <a:buSzPct val="145000"/>
+              <a:buFont typeface="Arial"/>
+              <a:buChar char="•"/>
+              <a:defRPr sz="1200" kern="1200" cap="none">
+                <a:solidFill>
+                  <a:schemeClr val="tx1"/>
+                </a:solidFill>
+                <a:effectLst/>
+                <a:latin typeface="+mn-lt"/>
+                <a:ea typeface="+mn-ea"/>
+                <a:cs typeface="+mn-cs"/>
+              </a:defRPr>
+            </a:lvl7pPr>
+            <a:lvl8pPr marL="3429000" indent="-228600" algn="l" defTabSz="457200" rtl="0" eaLnBrk="1" latinLnBrk="0" hangingPunct="1">
+              <a:spcBef>
+                <a:spcPct val="20000"/>
+              </a:spcBef>
+              <a:spcAft>
+                <a:spcPts val="600"/>
+              </a:spcAft>
+              <a:buClr>
+                <a:schemeClr val="accent1">
+                  <a:lumMod val="75000"/>
+                </a:schemeClr>
+              </a:buClr>
+              <a:buSzPct val="145000"/>
+              <a:buFont typeface="Arial"/>
+              <a:buChar char="•"/>
+              <a:defRPr sz="1200" kern="1200" cap="none">
+                <a:solidFill>
+                  <a:schemeClr val="tx1"/>
+                </a:solidFill>
+                <a:effectLst/>
+                <a:latin typeface="+mn-lt"/>
+                <a:ea typeface="+mn-ea"/>
+                <a:cs typeface="+mn-cs"/>
+              </a:defRPr>
+            </a:lvl8pPr>
+            <a:lvl9pPr marL="3886200" indent="-228600" algn="l" defTabSz="457200" rtl="0" eaLnBrk="1" latinLnBrk="0" hangingPunct="1">
+              <a:spcBef>
+                <a:spcPct val="20000"/>
+              </a:spcBef>
+              <a:spcAft>
+                <a:spcPts val="600"/>
+              </a:spcAft>
+              <a:buClr>
+                <a:schemeClr val="accent1">
+                  <a:lumMod val="75000"/>
+                </a:schemeClr>
+              </a:buClr>
+              <a:buSzPct val="145000"/>
+              <a:buFont typeface="Arial"/>
+              <a:buChar char="•"/>
+              <a:defRPr sz="1200" kern="1200" cap="none">
+                <a:solidFill>
+                  <a:schemeClr val="tx1"/>
+                </a:solidFill>
+                <a:effectLst/>
+                <a:latin typeface="+mn-lt"/>
+                <a:ea typeface="+mn-ea"/>
+                <a:cs typeface="+mn-cs"/>
+              </a:defRPr>
+            </a:lvl9pPr>
+          </a:lstStyle>
+          <a:p>
+            <a:r>
+              <a:rPr lang="en-US" sz="2000" dirty="0" smtClean="0"/>
+              <a:t>Display:</a:t>
+            </a:r>
+          </a:p>
+          <a:p>
+            <a:r>
+              <a:rPr lang="en-US" sz="1400" dirty="0" smtClean="0"/>
+              <a:t>Responsive design</a:t>
+            </a:r>
+          </a:p>
+          <a:p>
+            <a:r>
+              <a:rPr lang="en-US" sz="1400" dirty="0" smtClean="0"/>
+              <a:t>Friendly-user Interface</a:t>
+            </a:r>
+            <a:endParaRPr lang="en-US" sz="1400" dirty="0"/>
+          </a:p>
+          <a:p>
+            <a:endParaRPr lang="en-US" sz="1400" dirty="0" smtClean="0"/>
+          </a:p>
+        </p:txBody>
+      </p:sp>
+      <p:sp>
+        <p:nvSpPr>
+          <p:cNvPr id="17" name="Espace réservé du texte 5"/>
+          <p:cNvSpPr txBox="1">
+            <a:spLocks/>
+          </p:cNvSpPr>
+          <p:nvPr/>
+        </p:nvSpPr>
+        <p:spPr>
+          <a:xfrm>
+            <a:off x="7150081" y="2051785"/>
+            <a:ext cx="1789181" cy="576262"/>
+          </a:xfrm>
+          <a:prstGeom prst="rect">
+            <a:avLst/>
+          </a:prstGeom>
+        </p:spPr>
+        <p:txBody>
+          <a:bodyPr vert="horz" lIns="91440" tIns="45720" rIns="91440" bIns="45720" rtlCol="0" anchor="b">
+            <a:noAutofit/>
+          </a:bodyPr>
+          <a:lstStyle>
+            <a:lvl1pPr marL="0" indent="0" algn="l" defTabSz="457200" rtl="0" eaLnBrk="1" latinLnBrk="0" hangingPunct="1">
+              <a:spcBef>
+                <a:spcPct val="20000"/>
+              </a:spcBef>
+              <a:spcAft>
+                <a:spcPts val="600"/>
+              </a:spcAft>
+              <a:buClr>
+                <a:schemeClr val="accent1">
+                  <a:lumMod val="75000"/>
+                </a:schemeClr>
+              </a:buClr>
+              <a:buSzPct val="145000"/>
+              <a:buFont typeface="Arial"/>
+              <a:buNone/>
+              <a:defRPr sz="2800" b="0" kern="1200" cap="none">
+                <a:solidFill>
+                  <a:schemeClr val="accent1">
+                    <a:lumMod val="75000"/>
+                  </a:schemeClr>
+                </a:solidFill>
+                <a:effectLst/>
+                <a:latin typeface="+mn-lt"/>
+                <a:ea typeface="+mn-ea"/>
+                <a:cs typeface="+mn-cs"/>
+              </a:defRPr>
+            </a:lvl1pPr>
+            <a:lvl2pPr marL="457200" indent="0" algn="l" defTabSz="457200" rtl="0" eaLnBrk="1" latinLnBrk="0" hangingPunct="1">
+              <a:spcBef>
+                <a:spcPct val="20000"/>
+              </a:spcBef>
+              <a:spcAft>
+                <a:spcPts val="600"/>
+              </a:spcAft>
+              <a:buClr>
+                <a:schemeClr val="accent1">
+                  <a:lumMod val="75000"/>
+                </a:schemeClr>
+              </a:buClr>
+              <a:buSzPct val="145000"/>
+              <a:buFont typeface="Arial"/>
+              <a:buNone/>
+              <a:defRPr sz="2000" b="1" kern="1200" cap="none">
+                <a:solidFill>
+                  <a:schemeClr val="tx1"/>
+                </a:solidFill>
+                <a:effectLst/>
+                <a:latin typeface="+mn-lt"/>
+                <a:ea typeface="+mn-ea"/>
+                <a:cs typeface="+mn-cs"/>
+              </a:defRPr>
+            </a:lvl2pPr>
+            <a:lvl3pPr marL="914400" indent="0" algn="l" defTabSz="457200" rtl="0" eaLnBrk="1" latinLnBrk="0" hangingPunct="1">
+              <a:spcBef>
+                <a:spcPct val="20000"/>
+              </a:spcBef>
+              <a:spcAft>
+                <a:spcPts val="600"/>
+              </a:spcAft>
+              <a:buClr>
+                <a:schemeClr val="accent1">
+                  <a:lumMod val="75000"/>
+                </a:schemeClr>
+              </a:buClr>
+              <a:buSzPct val="145000"/>
+              <a:buFont typeface="Arial"/>
+              <a:buNone/>
+              <a:defRPr sz="1800" b="1" kern="1200" cap="none">
+                <a:solidFill>
+                  <a:schemeClr val="tx1"/>
+                </a:solidFill>
+                <a:effectLst/>
+                <a:latin typeface="+mn-lt"/>
+                <a:ea typeface="+mn-ea"/>
+                <a:cs typeface="+mn-cs"/>
+              </a:defRPr>
+            </a:lvl3pPr>
+            <a:lvl4pPr marL="1371600" indent="0" algn="l" defTabSz="457200" rtl="0" eaLnBrk="1" latinLnBrk="0" hangingPunct="1">
+              <a:spcBef>
+                <a:spcPct val="20000"/>
+              </a:spcBef>
+              <a:spcAft>
+                <a:spcPts val="600"/>
+              </a:spcAft>
+              <a:buClr>
+                <a:schemeClr val="accent1">
+                  <a:lumMod val="75000"/>
+                </a:schemeClr>
+              </a:buClr>
+              <a:buSzPct val="145000"/>
+              <a:buFont typeface="Arial"/>
+              <a:buNone/>
+              <a:defRPr sz="1600" b="1" kern="1200" cap="none">
+                <a:solidFill>
+                  <a:schemeClr val="tx1"/>
+                </a:solidFill>
+                <a:effectLst/>
+                <a:latin typeface="+mn-lt"/>
+                <a:ea typeface="+mn-ea"/>
+                <a:cs typeface="+mn-cs"/>
+              </a:defRPr>
+            </a:lvl4pPr>
+            <a:lvl5pPr marL="1828800" indent="0" algn="l" defTabSz="457200" rtl="0" eaLnBrk="1" latinLnBrk="0" hangingPunct="1">
+              <a:spcBef>
+                <a:spcPct val="20000"/>
+              </a:spcBef>
+              <a:spcAft>
+                <a:spcPts val="600"/>
+              </a:spcAft>
+              <a:buClr>
+                <a:schemeClr val="accent1">
+                  <a:lumMod val="75000"/>
+                </a:schemeClr>
+              </a:buClr>
+              <a:buSzPct val="145000"/>
+              <a:buFont typeface="Arial"/>
+              <a:buNone/>
+              <a:defRPr sz="1600" b="1" kern="1200" cap="none">
+                <a:solidFill>
+                  <a:schemeClr val="tx1"/>
+                </a:solidFill>
+                <a:effectLst/>
+                <a:latin typeface="+mn-lt"/>
+                <a:ea typeface="+mn-ea"/>
+                <a:cs typeface="+mn-cs"/>
+              </a:defRPr>
+            </a:lvl5pPr>
+            <a:lvl6pPr marL="2286000" indent="0" algn="l" defTabSz="457200" rtl="0" eaLnBrk="1" latinLnBrk="0" hangingPunct="1">
+              <a:spcBef>
+                <a:spcPct val="20000"/>
+              </a:spcBef>
+              <a:spcAft>
+                <a:spcPts val="600"/>
+              </a:spcAft>
+              <a:buClr>
+                <a:schemeClr val="accent1">
+                  <a:lumMod val="75000"/>
+                </a:schemeClr>
+              </a:buClr>
+              <a:buSzPct val="145000"/>
+              <a:buFont typeface="Arial"/>
+              <a:buNone/>
+              <a:defRPr sz="1600" b="1" kern="1200" cap="none">
+                <a:solidFill>
+                  <a:schemeClr val="tx1"/>
+                </a:solidFill>
+                <a:effectLst/>
+                <a:latin typeface="+mn-lt"/>
+                <a:ea typeface="+mn-ea"/>
+                <a:cs typeface="+mn-cs"/>
+              </a:defRPr>
+            </a:lvl6pPr>
+            <a:lvl7pPr marL="2743200" indent="0" algn="l" defTabSz="457200" rtl="0" eaLnBrk="1" latinLnBrk="0" hangingPunct="1">
+              <a:spcBef>
+                <a:spcPct val="20000"/>
+              </a:spcBef>
+              <a:spcAft>
+                <a:spcPts val="600"/>
+              </a:spcAft>
+              <a:buClr>
+                <a:schemeClr val="accent1">
+                  <a:lumMod val="75000"/>
+                </a:schemeClr>
+              </a:buClr>
+              <a:buSzPct val="145000"/>
+              <a:buFont typeface="Arial"/>
+              <a:buNone/>
+              <a:defRPr sz="1600" b="1" kern="1200" cap="none">
+                <a:solidFill>
+                  <a:schemeClr val="tx1"/>
+                </a:solidFill>
+                <a:effectLst/>
+                <a:latin typeface="+mn-lt"/>
+                <a:ea typeface="+mn-ea"/>
+                <a:cs typeface="+mn-cs"/>
+              </a:defRPr>
+            </a:lvl7pPr>
+            <a:lvl8pPr marL="3200400" indent="0" algn="l" defTabSz="457200" rtl="0" eaLnBrk="1" latinLnBrk="0" hangingPunct="1">
+              <a:spcBef>
+                <a:spcPct val="20000"/>
+              </a:spcBef>
+              <a:spcAft>
+                <a:spcPts val="600"/>
+              </a:spcAft>
+              <a:buClr>
+                <a:schemeClr val="accent1">
+                  <a:lumMod val="75000"/>
+                </a:schemeClr>
+              </a:buClr>
+              <a:buSzPct val="145000"/>
+              <a:buFont typeface="Arial"/>
+              <a:buNone/>
+              <a:defRPr sz="1600" b="1" kern="1200" cap="none">
+                <a:solidFill>
+                  <a:schemeClr val="tx1"/>
+                </a:solidFill>
+                <a:effectLst/>
+                <a:latin typeface="+mn-lt"/>
+                <a:ea typeface="+mn-ea"/>
+                <a:cs typeface="+mn-cs"/>
+              </a:defRPr>
+            </a:lvl8pPr>
+            <a:lvl9pPr marL="3657600" indent="0" algn="l" defTabSz="457200" rtl="0" eaLnBrk="1" latinLnBrk="0" hangingPunct="1">
+              <a:spcBef>
+                <a:spcPct val="20000"/>
+              </a:spcBef>
+              <a:spcAft>
+                <a:spcPts val="600"/>
+              </a:spcAft>
+              <a:buClr>
+                <a:schemeClr val="accent1">
+                  <a:lumMod val="75000"/>
+                </a:schemeClr>
+              </a:buClr>
+              <a:buSzPct val="145000"/>
+              <a:buFont typeface="Arial"/>
+              <a:buNone/>
+              <a:defRPr sz="1600" b="1" kern="1200" cap="none">
+                <a:solidFill>
+                  <a:schemeClr val="tx1"/>
+                </a:solidFill>
+                <a:effectLst/>
+                <a:latin typeface="+mn-lt"/>
+                <a:ea typeface="+mn-ea"/>
+                <a:cs typeface="+mn-cs"/>
+              </a:defRPr>
+            </a:lvl9pPr>
+          </a:lstStyle>
+          <a:p>
+            <a:pPr algn="ctr"/>
+            <a:r>
+              <a:rPr lang="en-US" sz="2000" dirty="0" smtClean="0"/>
+              <a:t>SQL/Database</a:t>
+            </a:r>
+            <a:endParaRPr lang="en-US" sz="2000" dirty="0"/>
+          </a:p>
+        </p:txBody>
+      </p:sp>
+      <p:sp>
+        <p:nvSpPr>
+          <p:cNvPr id="18" name="Espace réservé du contenu 6"/>
+          <p:cNvSpPr txBox="1">
+            <a:spLocks/>
+          </p:cNvSpPr>
+          <p:nvPr/>
+        </p:nvSpPr>
+        <p:spPr>
+          <a:xfrm>
+            <a:off x="7020272" y="2780928"/>
+            <a:ext cx="1918990" cy="2665259"/>
+          </a:xfrm>
+          <a:prstGeom prst="rect">
+            <a:avLst/>
+          </a:prstGeom>
+          <a:ln>
+            <a:solidFill>
+              <a:schemeClr val="tx1"/>
+            </a:solidFill>
+          </a:ln>
+        </p:spPr>
+        <p:txBody>
+          <a:bodyPr vert="horz" lIns="91440" tIns="45720" rIns="91440" bIns="45720" rtlCol="0" anchor="t">
+            <a:normAutofit/>
+          </a:bodyPr>
+          <a:lstStyle>
+            <a:lvl1pPr marL="285750" indent="-285750" algn="l" defTabSz="457200" rtl="0" eaLnBrk="1" latinLnBrk="0" hangingPunct="1">
+              <a:spcBef>
+                <a:spcPct val="20000"/>
+              </a:spcBef>
+              <a:spcAft>
+                <a:spcPts val="600"/>
+              </a:spcAft>
+              <a:buClr>
+                <a:schemeClr val="accent1">
+                  <a:lumMod val="75000"/>
+                </a:schemeClr>
+              </a:buClr>
+              <a:buSzPct val="145000"/>
+              <a:buFont typeface="Arial"/>
+              <a:buChar char="•"/>
+              <a:defRPr sz="1800" kern="1200" cap="none">
+                <a:solidFill>
+                  <a:schemeClr val="tx1"/>
+                </a:solidFill>
+                <a:effectLst/>
+                <a:latin typeface="+mn-lt"/>
+                <a:ea typeface="+mn-ea"/>
+                <a:cs typeface="+mn-cs"/>
+              </a:defRPr>
+            </a:lvl1pPr>
+            <a:lvl2pPr marL="742950" indent="-285750" algn="l" defTabSz="457200" rtl="0" eaLnBrk="1" latinLnBrk="0" hangingPunct="1">
+              <a:spcBef>
+                <a:spcPct val="20000"/>
+              </a:spcBef>
+              <a:spcAft>
+                <a:spcPts val="600"/>
+              </a:spcAft>
+              <a:buClr>
+                <a:schemeClr val="accent1">
+                  <a:lumMod val="75000"/>
+                </a:schemeClr>
+              </a:buClr>
+              <a:buSzPct val="145000"/>
+              <a:buFont typeface="Arial"/>
+              <a:buChar char="•"/>
+              <a:defRPr sz="1600" kern="1200" cap="none">
+                <a:solidFill>
+                  <a:schemeClr val="tx1"/>
+                </a:solidFill>
+                <a:effectLst/>
+                <a:latin typeface="+mn-lt"/>
+                <a:ea typeface="+mn-ea"/>
+                <a:cs typeface="+mn-cs"/>
+              </a:defRPr>
+            </a:lvl2pPr>
+            <a:lvl3pPr marL="1200150" indent="-285750" algn="l" defTabSz="457200" rtl="0" eaLnBrk="1" latinLnBrk="0" hangingPunct="1">
+              <a:spcBef>
+                <a:spcPct val="20000"/>
+              </a:spcBef>
+              <a:spcAft>
+                <a:spcPts val="600"/>
+              </a:spcAft>
+              <a:buClr>
+                <a:schemeClr val="accent1">
+                  <a:lumMod val="75000"/>
+                </a:schemeClr>
+              </a:buClr>
+              <a:buSzPct val="145000"/>
+              <a:buFont typeface="Arial"/>
+              <a:buChar char="•"/>
+              <a:defRPr sz="1400" kern="1200" cap="none">
+                <a:solidFill>
+                  <a:schemeClr val="tx1"/>
+                </a:solidFill>
+                <a:effectLst/>
+                <a:latin typeface="+mn-lt"/>
+                <a:ea typeface="+mn-ea"/>
+                <a:cs typeface="+mn-cs"/>
+              </a:defRPr>
+            </a:lvl3pPr>
+            <a:lvl4pPr marL="1543050" indent="-171450" algn="l" defTabSz="457200" rtl="0" eaLnBrk="1" latinLnBrk="0" hangingPunct="1">
+              <a:spcBef>
+                <a:spcPct val="20000"/>
+              </a:spcBef>
+              <a:spcAft>
+                <a:spcPts val="600"/>
+              </a:spcAft>
+              <a:buClr>
+                <a:schemeClr val="accent1">
+                  <a:lumMod val="75000"/>
+                </a:schemeClr>
+              </a:buClr>
+              <a:buSzPct val="145000"/>
+              <a:buFont typeface="Arial"/>
+              <a:buChar char="•"/>
+              <a:defRPr sz="1200" kern="1200" cap="none">
+                <a:solidFill>
+                  <a:schemeClr val="tx1"/>
+                </a:solidFill>
+                <a:effectLst/>
+                <a:latin typeface="+mn-lt"/>
+                <a:ea typeface="+mn-ea"/>
+                <a:cs typeface="+mn-cs"/>
+              </a:defRPr>
+            </a:lvl4pPr>
+            <a:lvl5pPr marL="2000250" indent="-171450" algn="l" defTabSz="457200" rtl="0" eaLnBrk="1" latinLnBrk="0" hangingPunct="1">
+              <a:spcBef>
+                <a:spcPct val="20000"/>
+              </a:spcBef>
+              <a:spcAft>
+                <a:spcPts val="600"/>
+              </a:spcAft>
+              <a:buClr>
+                <a:schemeClr val="accent1">
+                  <a:lumMod val="75000"/>
+                </a:schemeClr>
+              </a:buClr>
+              <a:buSzPct val="145000"/>
+              <a:buFont typeface="Arial"/>
+              <a:buChar char="•"/>
+              <a:defRPr sz="1200" kern="1200" cap="none">
+                <a:solidFill>
+                  <a:schemeClr val="tx1"/>
+                </a:solidFill>
+                <a:effectLst/>
+                <a:latin typeface="+mn-lt"/>
+                <a:ea typeface="+mn-ea"/>
+                <a:cs typeface="+mn-cs"/>
+              </a:defRPr>
+            </a:lvl5pPr>
+            <a:lvl6pPr marL="2514600" indent="-228600" algn="l" defTabSz="457200" rtl="0" eaLnBrk="1" latinLnBrk="0" hangingPunct="1">
+              <a:spcBef>
+                <a:spcPct val="20000"/>
+              </a:spcBef>
+              <a:spcAft>
+                <a:spcPts val="600"/>
+              </a:spcAft>
+              <a:buClr>
+                <a:schemeClr val="accent1">
+                  <a:lumMod val="75000"/>
+                </a:schemeClr>
+              </a:buClr>
+              <a:buSzPct val="145000"/>
+              <a:buFont typeface="Arial"/>
+              <a:buChar char="•"/>
+              <a:defRPr sz="1200" kern="1200" cap="none">
+                <a:solidFill>
+                  <a:schemeClr val="tx1"/>
+                </a:solidFill>
+                <a:effectLst/>
+                <a:latin typeface="+mn-lt"/>
+                <a:ea typeface="+mn-ea"/>
+                <a:cs typeface="+mn-cs"/>
+              </a:defRPr>
+            </a:lvl6pPr>
+            <a:lvl7pPr marL="2971800" indent="-228600" algn="l" defTabSz="457200" rtl="0" eaLnBrk="1" latinLnBrk="0" hangingPunct="1">
+              <a:spcBef>
+                <a:spcPct val="20000"/>
+              </a:spcBef>
+              <a:spcAft>
+                <a:spcPts val="600"/>
+              </a:spcAft>
+              <a:buClr>
+                <a:schemeClr val="accent1">
+                  <a:lumMod val="75000"/>
+                </a:schemeClr>
+              </a:buClr>
+              <a:buSzPct val="145000"/>
+              <a:buFont typeface="Arial"/>
+              <a:buChar char="•"/>
+              <a:defRPr sz="1200" kern="1200" cap="none">
+                <a:solidFill>
+                  <a:schemeClr val="tx1"/>
+                </a:solidFill>
+                <a:effectLst/>
+                <a:latin typeface="+mn-lt"/>
+                <a:ea typeface="+mn-ea"/>
+                <a:cs typeface="+mn-cs"/>
+              </a:defRPr>
+            </a:lvl7pPr>
+            <a:lvl8pPr marL="3429000" indent="-228600" algn="l" defTabSz="457200" rtl="0" eaLnBrk="1" latinLnBrk="0" hangingPunct="1">
+              <a:spcBef>
+                <a:spcPct val="20000"/>
+              </a:spcBef>
+              <a:spcAft>
+                <a:spcPts val="600"/>
+              </a:spcAft>
+              <a:buClr>
+                <a:schemeClr val="accent1">
+                  <a:lumMod val="75000"/>
+                </a:schemeClr>
+              </a:buClr>
+              <a:buSzPct val="145000"/>
+              <a:buFont typeface="Arial"/>
+              <a:buChar char="•"/>
+              <a:defRPr sz="1200" kern="1200" cap="none">
+                <a:solidFill>
+                  <a:schemeClr val="tx1"/>
+                </a:solidFill>
+                <a:effectLst/>
+                <a:latin typeface="+mn-lt"/>
+                <a:ea typeface="+mn-ea"/>
+                <a:cs typeface="+mn-cs"/>
+              </a:defRPr>
+            </a:lvl8pPr>
+            <a:lvl9pPr marL="3886200" indent="-228600" algn="l" defTabSz="457200" rtl="0" eaLnBrk="1" latinLnBrk="0" hangingPunct="1">
+              <a:spcBef>
+                <a:spcPct val="20000"/>
+              </a:spcBef>
+              <a:spcAft>
+                <a:spcPts val="600"/>
+              </a:spcAft>
+              <a:buClr>
+                <a:schemeClr val="accent1">
+                  <a:lumMod val="75000"/>
+                </a:schemeClr>
+              </a:buClr>
+              <a:buSzPct val="145000"/>
+              <a:buFont typeface="Arial"/>
+              <a:buChar char="•"/>
+              <a:defRPr sz="1200" kern="1200" cap="none">
+                <a:solidFill>
+                  <a:schemeClr val="tx1"/>
+                </a:solidFill>
+                <a:effectLst/>
+                <a:latin typeface="+mn-lt"/>
+                <a:ea typeface="+mn-ea"/>
+                <a:cs typeface="+mn-cs"/>
+              </a:defRPr>
+            </a:lvl9pPr>
+          </a:lstStyle>
+          <a:p>
+            <a:r>
+              <a:rPr lang="en-US" sz="2000" dirty="0" smtClean="0"/>
+              <a:t>Manage:</a:t>
+            </a:r>
+          </a:p>
+          <a:p>
+            <a:r>
+              <a:rPr lang="en-US" sz="1400" dirty="0" smtClean="0"/>
+              <a:t>Database</a:t>
+            </a:r>
+          </a:p>
+          <a:p>
+            <a:pPr marL="0" indent="0">
+              <a:buNone/>
+            </a:pPr>
+            <a:endParaRPr lang="en-US" dirty="0"/>
+          </a:p>
+        </p:txBody>
+      </p:sp>
+    </p:spTree>
+    <p:extLst>
+      <p:ext uri="{BB962C8B-B14F-4D97-AF65-F5344CB8AC3E}">
+        <p14:creationId xmlns:p14="http://schemas.microsoft.com/office/powerpoint/2010/main" val="181066778"/>
+      </p:ext>
+    </p:extLst>
+  </p:cSld>
+  <p:clrMapOvr>
+    <a:masterClrMapping/>
+  </p:clrMapOvr>
+</p:sld>
+</file>
+
+<file path=ppt/slides/slide7.xml><?xml version="1.0" encoding="utf-8"?>
 <p:sld xmlns:a="http://schemas.openxmlformats.org/drawingml/2006/main" xmlns:r="http://schemas.openxmlformats.org/officeDocument/2006/relationships" xmlns:p="http://schemas.openxmlformats.org/presentationml/2006/main">
   <p:cSld>
     <p:spTree>
@@ -11857,15 +13498,7 @@
           <a:p>
             <a:r>
               <a:rPr lang="fr-FR" dirty="0" smtClean="0"/>
-              <a:t>Sublime </a:t>
-            </a:r>
-            <a:r>
-              <a:rPr lang="fr-FR" dirty="0" err="1" smtClean="0"/>
-              <a:t>Text</a:t>
-            </a:r>
-            <a:r>
-              <a:rPr lang="fr-FR" dirty="0" smtClean="0"/>
-              <a:t> 3</a:t>
+              <a:t>Sublime Text 3</a:t>
             </a:r>
             <a:endParaRPr lang="fr-FR" dirty="0"/>
           </a:p>
@@ -11990,7 +13623,7 @@
           <a:lstStyle/>
           <a:p>
             <a:r>
-              <a:rPr lang="fr-FR" dirty="0" err="1" smtClean="0"/>
+              <a:rPr lang="fr-FR" dirty="0" smtClean="0"/>
               <a:t>Balasmiq</a:t>
             </a:r>
             <a:endParaRPr lang="fr-FR" dirty="0"/>
@@ -12053,7 +13686,7 @@
           <a:lstStyle/>
           <a:p>
             <a:r>
-              <a:rPr lang="fr-FR" dirty="0" err="1" smtClean="0"/>
+              <a:rPr lang="fr-FR" dirty="0" smtClean="0"/>
               <a:t>PowerAMC</a:t>
             </a:r>
             <a:endParaRPr lang="fr-FR" dirty="0"/>
@@ -12123,6 +13756,36 @@
           </a:p>
         </p:txBody>
       </p:sp>
+      <p:sp>
+        <p:nvSpPr>
+          <p:cNvPr id="2" name="ZoneTexte 1"/>
+          <p:cNvSpPr txBox="1"/>
+          <p:nvPr/>
+        </p:nvSpPr>
+        <p:spPr>
+          <a:xfrm>
+            <a:off x="1470335" y="2617204"/>
+            <a:ext cx="1260281" cy="369332"/>
+          </a:xfrm>
+          <a:prstGeom prst="rect">
+            <a:avLst/>
+          </a:prstGeom>
+          <a:noFill/>
+        </p:spPr>
+        <p:txBody>
+          <a:bodyPr wrap="none" rtlCol="0">
+            <a:spAutoFit/>
+          </a:bodyPr>
+          <a:lstStyle/>
+          <a:p>
+            <a:r>
+              <a:rPr lang="fr-FR" dirty="0" smtClean="0"/>
+              <a:t>Notepad++</a:t>
+            </a:r>
+            <a:endParaRPr lang="fr-FR" dirty="0"/>
+          </a:p>
+        </p:txBody>
+      </p:sp>
     </p:spTree>
     <p:extLst>
       <p:ext uri="{BB962C8B-B14F-4D97-AF65-F5344CB8AC3E}">
@@ -12136,7 +13799,7 @@
 </p:sld>
 </file>
 
-<file path=ppt/slides/slide7.xml><?xml version="1.0" encoding="utf-8"?>
+<file path=ppt/slides/slide8.xml><?xml version="1.0" encoding="utf-8"?>
 <p:sld xmlns:a="http://schemas.openxmlformats.org/drawingml/2006/main" xmlns:r="http://schemas.openxmlformats.org/officeDocument/2006/relationships" xmlns:p="http://schemas.openxmlformats.org/presentationml/2006/main">
   <p:cSld>
     <p:spTree>
@@ -12170,7 +13833,7 @@
           <a:p>
             <a:r>
               <a:rPr lang="fr-FR" dirty="0" smtClean="0"/>
-              <a:t>Conception :</a:t>
+              <a:t>Conception:</a:t>
             </a:r>
             <a:endParaRPr lang="fr-FR" dirty="0"/>
           </a:p>
@@ -12186,12 +13849,29 @@
             <p:ph idx="1"/>
           </p:nvPr>
         </p:nvSpPr>
-        <p:spPr/>
+        <p:spPr>
+          <a:xfrm>
+            <a:off x="1475656" y="2667000"/>
+            <a:ext cx="7211144" cy="3332816"/>
+          </a:xfrm>
+        </p:spPr>
         <p:txBody>
-          <a:bodyPr/>
+          <a:bodyPr anchor="t">
+            <a:normAutofit/>
+          </a:bodyPr>
           <a:lstStyle/>
           <a:p>
-            <a:endParaRPr lang="fr-FR"/>
+            <a:r>
+              <a:rPr lang="en-US" sz="2800" dirty="0" smtClean="0"/>
+              <a:t>Mockups</a:t>
+            </a:r>
+          </a:p>
+          <a:p>
+            <a:r>
+              <a:rPr lang="en-US" sz="2800" dirty="0" smtClean="0"/>
+              <a:t>MCD</a:t>
+            </a:r>
+            <a:endParaRPr lang="en-US" sz="2800" dirty="0"/>
           </a:p>
         </p:txBody>
       </p:sp>
@@ -12208,7 +13888,7 @@
 </p:sld>
 </file>
 
-<file path=ppt/slides/slide8.xml><?xml version="1.0" encoding="utf-8"?>
+<file path=ppt/slides/slide9.xml><?xml version="1.0" encoding="utf-8"?>
 <p:sld xmlns:a="http://schemas.openxmlformats.org/drawingml/2006/main" xmlns:r="http://schemas.openxmlformats.org/officeDocument/2006/relationships" xmlns:p="http://schemas.openxmlformats.org/presentationml/2006/main">
   <p:cSld>
     <p:spTree>
@@ -12235,35 +13915,84 @@
             <p:ph type="title"/>
           </p:nvPr>
         </p:nvSpPr>
-        <p:spPr/>
+        <p:spPr>
+          <a:xfrm>
+            <a:off x="982133" y="457201"/>
+            <a:ext cx="7704667" cy="1099591"/>
+          </a:xfrm>
+        </p:spPr>
         <p:txBody>
           <a:bodyPr/>
           <a:lstStyle/>
           <a:p>
             <a:r>
-              <a:rPr lang="fr-FR" dirty="0" smtClean="0"/>
-              <a:t>*MOCKUP*</a:t>
+              <a:rPr lang="fr-FR" dirty="0" err="1" smtClean="0"/>
+              <a:t>Mockups</a:t>
+            </a:r>
+            <a:r>
+              <a:rPr lang="fr-FR" dirty="0"/>
+              <a:t>:</a:t>
             </a:r>
             <a:endParaRPr lang="fr-FR" dirty="0"/>
           </a:p>
         </p:txBody>
       </p:sp>
-      <p:sp>
-        <p:nvSpPr>
-          <p:cNvPr id="7" name="Espace réservé du contenu 6"/>
-          <p:cNvSpPr>
-            <a:spLocks noGrp="1"/>
-          </p:cNvSpPr>
+      <p:pic>
+        <p:nvPicPr>
+          <p:cNvPr id="6" name="Espace réservé du contenu 5"/>
+          <p:cNvPicPr>
+            <a:picLocks noGrp="1" noChangeAspect="1"/>
+          </p:cNvPicPr>
           <p:nvPr>
             <p:ph idx="1"/>
           </p:nvPr>
+        </p:nvPicPr>
+        <p:blipFill rotWithShape="1">
+          <a:blip r:embed="rId2" cstate="print">
+            <a:extLst>
+              <a:ext uri="{28A0092B-C50C-407E-A947-70E740481C1C}">
+                <a14:useLocalDpi xmlns:a14="http://schemas.microsoft.com/office/drawing/2010/main" val="0"/>
+              </a:ext>
+            </a:extLst>
+          </a:blip>
+          <a:srcRect r="5614" b="-5367"/>
+          <a:stretch/>
+        </p:blipFill>
+        <p:spPr>
+          <a:xfrm>
+            <a:off x="1208501" y="2420888"/>
+            <a:ext cx="7478299" cy="3438440"/>
+          </a:xfrm>
+        </p:spPr>
+      </p:pic>
+      <p:sp>
+        <p:nvSpPr>
+          <p:cNvPr id="8" name="ZoneTexte 7"/>
+          <p:cNvSpPr txBox="1"/>
+          <p:nvPr/>
         </p:nvSpPr>
-        <p:spPr/>
+        <p:spPr>
+          <a:xfrm>
+            <a:off x="1115616" y="1700808"/>
+            <a:ext cx="7344816" cy="584775"/>
+          </a:xfrm>
+          <a:prstGeom prst="rect">
+            <a:avLst/>
+          </a:prstGeom>
+          <a:noFill/>
+        </p:spPr>
         <p:txBody>
-          <a:bodyPr/>
+          <a:bodyPr wrap="square" rtlCol="0">
+            <a:spAutoFit/>
+          </a:bodyPr>
           <a:lstStyle/>
           <a:p>
-            <a:endParaRPr lang="fr-FR"/>
+            <a:pPr algn="ctr"/>
+            <a:r>
+              <a:rPr lang="fr-FR" sz="3200" dirty="0" smtClean="0"/>
+              <a:t>Main page:</a:t>
+            </a:r>
+            <a:endParaRPr lang="fr-FR" sz="3200" dirty="0"/>
           </a:p>
         </p:txBody>
       </p:sp>
@@ -12284,78 +14013,6 @@
       </p:par>
     </p:tnLst>
   </p:timing>
-</p:sld>
-</file>
-
-<file path=ppt/slides/slide9.xml><?xml version="1.0" encoding="utf-8"?>
-<p:sld xmlns:a="http://schemas.openxmlformats.org/drawingml/2006/main" xmlns:r="http://schemas.openxmlformats.org/officeDocument/2006/relationships" xmlns:p="http://schemas.openxmlformats.org/presentationml/2006/main">
-  <p:cSld>
-    <p:spTree>
-      <p:nvGrpSpPr>
-        <p:cNvPr id="1" name=""/>
-        <p:cNvGrpSpPr/>
-        <p:nvPr/>
-      </p:nvGrpSpPr>
-      <p:grpSpPr>
-        <a:xfrm>
-          <a:off x="0" y="0"/>
-          <a:ext cx="0" cy="0"/>
-          <a:chOff x="0" y="0"/>
-          <a:chExt cx="0" cy="0"/>
-        </a:xfrm>
-      </p:grpSpPr>
-      <p:sp>
-        <p:nvSpPr>
-          <p:cNvPr id="2" name="Titre 1"/>
-          <p:cNvSpPr>
-            <a:spLocks noGrp="1"/>
-          </p:cNvSpPr>
-          <p:nvPr>
-            <p:ph type="title"/>
-          </p:nvPr>
-        </p:nvSpPr>
-        <p:spPr/>
-        <p:txBody>
-          <a:bodyPr/>
-          <a:lstStyle/>
-          <a:p>
-            <a:r>
-              <a:rPr lang="fr-FR" dirty="0" smtClean="0"/>
-              <a:t>*MCD*</a:t>
-            </a:r>
-            <a:endParaRPr lang="fr-FR" dirty="0"/>
-          </a:p>
-        </p:txBody>
-      </p:sp>
-      <p:sp>
-        <p:nvSpPr>
-          <p:cNvPr id="4" name="Espace réservé du contenu 3"/>
-          <p:cNvSpPr>
-            <a:spLocks noGrp="1"/>
-          </p:cNvSpPr>
-          <p:nvPr>
-            <p:ph idx="1"/>
-          </p:nvPr>
-        </p:nvSpPr>
-        <p:spPr/>
-        <p:txBody>
-          <a:bodyPr/>
-          <a:lstStyle/>
-          <a:p>
-            <a:endParaRPr lang="fr-FR"/>
-          </a:p>
-        </p:txBody>
-      </p:sp>
-    </p:spTree>
-    <p:extLst>
-      <p:ext uri="{BB962C8B-B14F-4D97-AF65-F5344CB8AC3E}">
-        <p14:creationId xmlns:p14="http://schemas.microsoft.com/office/powerpoint/2010/main" val="2542732291"/>
-      </p:ext>
-    </p:extLst>
-  </p:cSld>
-  <p:clrMapOvr>
-    <a:masterClrMapping/>
-  </p:clrMapOvr>
 </p:sld>
 </file>
 
